--- a/Tutorial 5 Iterative Methods/Tutorial 5 Presentation.pptx
+++ b/Tutorial 5 Iterative Methods/Tutorial 5 Presentation.pptx
@@ -5,10 +5,10 @@
     <p:sldMasterId id="2147483648" r:id="rId4"/>
   </p:sldMasterIdLst>
   <p:notesMasterIdLst>
-    <p:notesMasterId r:id="rId19"/>
+    <p:notesMasterId r:id="rId18"/>
   </p:notesMasterIdLst>
   <p:handoutMasterIdLst>
-    <p:handoutMasterId r:id="rId20"/>
+    <p:handoutMasterId r:id="rId19"/>
   </p:handoutMasterIdLst>
   <p:sldIdLst>
     <p:sldId id="256" r:id="rId5"/>
@@ -16,15 +16,14 @@
     <p:sldId id="260" r:id="rId7"/>
     <p:sldId id="261" r:id="rId8"/>
     <p:sldId id="262" r:id="rId9"/>
-    <p:sldId id="263" r:id="rId10"/>
-    <p:sldId id="266" r:id="rId11"/>
-    <p:sldId id="267" r:id="rId12"/>
-    <p:sldId id="268" r:id="rId13"/>
-    <p:sldId id="269" r:id="rId14"/>
-    <p:sldId id="270" r:id="rId15"/>
-    <p:sldId id="271" r:id="rId16"/>
-    <p:sldId id="264" r:id="rId17"/>
-    <p:sldId id="265" r:id="rId18"/>
+    <p:sldId id="266" r:id="rId10"/>
+    <p:sldId id="267" r:id="rId11"/>
+    <p:sldId id="268" r:id="rId12"/>
+    <p:sldId id="269" r:id="rId13"/>
+    <p:sldId id="270" r:id="rId14"/>
+    <p:sldId id="271" r:id="rId15"/>
+    <p:sldId id="264" r:id="rId16"/>
+    <p:sldId id="265" r:id="rId17"/>
   </p:sldIdLst>
   <p:sldSz cx="12192000" cy="6858000"/>
   <p:notesSz cx="6858000" cy="9144000"/>
@@ -3803,7 +3802,7 @@
           <p:cNvPr id="2" name="Title 1">
             <a:extLst>
               <a:ext uri="{FF2B5EF4-FFF2-40B4-BE49-F238E27FC236}">
-                <a16:creationId xmlns:a16="http://schemas.microsoft.com/office/drawing/2014/main" id="{8F8736DF-F3C3-423B-B1C2-695F27986E61}"/>
+                <a16:creationId xmlns:a16="http://schemas.microsoft.com/office/drawing/2014/main" id="{037C434F-78E8-49C1-AC09-0B2CABEA34BA}"/>
               </a:ext>
             </a:extLst>
           </p:cNvPr>
@@ -3821,7 +3820,7 @@
           <a:p>
             <a:r>
               <a:rPr lang="en-AU" dirty="0"/>
-              <a:t>Determining the step function</a:t>
+              <a:t>Notes on step function</a:t>
             </a:r>
           </a:p>
         </p:txBody>
@@ -3831,7 +3830,7 @@
           <p:cNvPr id="3" name="Content Placeholder 2">
             <a:extLst>
               <a:ext uri="{FF2B5EF4-FFF2-40B4-BE49-F238E27FC236}">
-                <a16:creationId xmlns:a16="http://schemas.microsoft.com/office/drawing/2014/main" id="{7AF4B6BA-CDA6-44A1-AB45-2BF634981CB3}"/>
+                <a16:creationId xmlns:a16="http://schemas.microsoft.com/office/drawing/2014/main" id="{BA271C65-D345-42D7-9DC8-587C1503FB6A}"/>
               </a:ext>
             </a:extLst>
           </p:cNvPr>
@@ -3850,7 +3849,19 @@
             <a:pPr marL="0" indent="0">
               <a:buNone/>
             </a:pPr>
-            <a:endParaRPr lang="en-AU" dirty="0"/>
+            <a:r>
+              <a:rPr lang="en-AU" dirty="0"/>
+              <a:t>Obviously this is more accurate at small timesteps (delta t)!</a:t>
+            </a:r>
+          </a:p>
+          <a:p>
+            <a:pPr marL="0" indent="0">
+              <a:buNone/>
+            </a:pPr>
+            <a:r>
+              <a:rPr lang="en-AU" dirty="0"/>
+              <a:t>There are better numerical approximations of derivatives out there, I have used the simplest one. </a:t>
+            </a:r>
           </a:p>
           <a:p>
             <a:pPr marL="0" indent="0">
@@ -3858,177 +3869,12 @@
             </a:pPr>
             <a:endParaRPr lang="en-AU" dirty="0"/>
           </a:p>
-          <a:p>
-            <a:pPr marL="0" indent="0">
-              <a:buNone/>
-            </a:pPr>
-            <a:r>
-              <a:rPr lang="en-AU" dirty="0"/>
-              <a:t>Let’s do a first order, finite-difference approximation of the derivative:</a:t>
-            </a:r>
-          </a:p>
-          <a:p>
-            <a:pPr marL="0" indent="0">
-              <a:buNone/>
-            </a:pPr>
-            <a:endParaRPr lang="en-AU" dirty="0"/>
-          </a:p>
-          <a:p>
-            <a:pPr marL="0" indent="0">
-              <a:buNone/>
-            </a:pPr>
-            <a:endParaRPr lang="en-AU" dirty="0"/>
-          </a:p>
-          <a:p>
-            <a:pPr marL="0" indent="0">
-              <a:buNone/>
-            </a:pPr>
-            <a:r>
-              <a:rPr lang="en-AU" dirty="0"/>
-              <a:t>Which we can then extend:</a:t>
-            </a:r>
-          </a:p>
-          <a:p>
-            <a:pPr marL="0" indent="0">
-              <a:buNone/>
-            </a:pPr>
-            <a:endParaRPr lang="en-AU" dirty="0"/>
-          </a:p>
-          <a:p>
-            <a:pPr marL="0" indent="0">
-              <a:buNone/>
-            </a:pPr>
-            <a:r>
-              <a:rPr lang="en-AU" dirty="0"/>
-              <a:t>And we get our step-function! </a:t>
-            </a:r>
-          </a:p>
-        </p:txBody>
-      </p:sp>
-      <p:pic>
-        <p:nvPicPr>
-          <p:cNvPr id="4" name="Picture 3">
-            <a:extLst>
-              <a:ext uri="{FF2B5EF4-FFF2-40B4-BE49-F238E27FC236}">
-                <a16:creationId xmlns:a16="http://schemas.microsoft.com/office/drawing/2014/main" id="{1AA36A05-ECA4-472F-AA1A-BAC234782C16}"/>
-              </a:ext>
-            </a:extLst>
-          </p:cNvPr>
-          <p:cNvPicPr>
-            <a:picLocks noChangeAspect="1"/>
-          </p:cNvPicPr>
-          <p:nvPr/>
-        </p:nvPicPr>
-        <p:blipFill>
-          <a:blip r:embed="rId2"/>
-          <a:stretch>
-            <a:fillRect/>
-          </a:stretch>
-        </p:blipFill>
-        <p:spPr>
-          <a:xfrm>
-            <a:off x="4871864" y="1620433"/>
-            <a:ext cx="1944216" cy="864096"/>
-          </a:xfrm>
-          <a:prstGeom prst="rect">
-            <a:avLst/>
-          </a:prstGeom>
-        </p:spPr>
-      </p:pic>
-      <p:pic>
-        <p:nvPicPr>
-          <p:cNvPr id="5" name="Picture 4">
-            <a:extLst>
-              <a:ext uri="{FF2B5EF4-FFF2-40B4-BE49-F238E27FC236}">
-                <a16:creationId xmlns:a16="http://schemas.microsoft.com/office/drawing/2014/main" id="{07CB1277-FCB9-4504-8432-A7B41CB1CBED}"/>
-              </a:ext>
-            </a:extLst>
-          </p:cNvPr>
-          <p:cNvPicPr>
-            <a:picLocks noChangeAspect="1"/>
-          </p:cNvPicPr>
-          <p:nvPr/>
-        </p:nvPicPr>
-        <p:blipFill>
-          <a:blip r:embed="rId3"/>
-          <a:stretch>
-            <a:fillRect/>
-          </a:stretch>
-        </p:blipFill>
-        <p:spPr>
-          <a:xfrm>
-            <a:off x="4548572" y="3284984"/>
-            <a:ext cx="2590800" cy="723900"/>
-          </a:xfrm>
-          <a:prstGeom prst="rect">
-            <a:avLst/>
-          </a:prstGeom>
-        </p:spPr>
-      </p:pic>
-      <p:pic>
-        <p:nvPicPr>
-          <p:cNvPr id="6" name="Picture 5">
-            <a:extLst>
-              <a:ext uri="{FF2B5EF4-FFF2-40B4-BE49-F238E27FC236}">
-                <a16:creationId xmlns:a16="http://schemas.microsoft.com/office/drawing/2014/main" id="{20D0CC69-E831-4AC7-90B5-6EFC5572C06F}"/>
-              </a:ext>
-            </a:extLst>
-          </p:cNvPr>
-          <p:cNvPicPr>
-            <a:picLocks noChangeAspect="1"/>
-          </p:cNvPicPr>
-          <p:nvPr/>
-        </p:nvPicPr>
-        <p:blipFill>
-          <a:blip r:embed="rId4"/>
-          <a:stretch>
-            <a:fillRect/>
-          </a:stretch>
-        </p:blipFill>
-        <p:spPr>
-          <a:xfrm>
-            <a:off x="4024697" y="4735485"/>
-            <a:ext cx="3638550" cy="590550"/>
-          </a:xfrm>
-          <a:prstGeom prst="rect">
-            <a:avLst/>
-          </a:prstGeom>
-        </p:spPr>
-      </p:pic>
-      <p:pic>
-        <p:nvPicPr>
-          <p:cNvPr id="7" name="Picture 6">
-            <a:extLst>
-              <a:ext uri="{FF2B5EF4-FFF2-40B4-BE49-F238E27FC236}">
-                <a16:creationId xmlns:a16="http://schemas.microsoft.com/office/drawing/2014/main" id="{57F1D75B-EC12-47A3-A650-FEF6B58747AC}"/>
-              </a:ext>
-            </a:extLst>
-          </p:cNvPr>
-          <p:cNvPicPr>
-            <a:picLocks noChangeAspect="1"/>
-          </p:cNvPicPr>
-          <p:nvPr/>
-        </p:nvPicPr>
-        <p:blipFill>
-          <a:blip r:embed="rId5"/>
-          <a:stretch>
-            <a:fillRect/>
-          </a:stretch>
-        </p:blipFill>
-        <p:spPr>
-          <a:xfrm>
-            <a:off x="4295800" y="5857875"/>
-            <a:ext cx="3276600" cy="542925"/>
-          </a:xfrm>
-          <a:prstGeom prst="rect">
-            <a:avLst/>
-          </a:prstGeom>
-        </p:spPr>
-      </p:pic>
+        </p:txBody>
+      </p:sp>
     </p:spTree>
     <p:extLst>
       <p:ext uri="{BB962C8B-B14F-4D97-AF65-F5344CB8AC3E}">
-        <p14:creationId xmlns:p14="http://schemas.microsoft.com/office/powerpoint/2010/main" val="51208511"/>
+        <p14:creationId xmlns:p14="http://schemas.microsoft.com/office/powerpoint/2010/main" val="3413653316"/>
       </p:ext>
     </p:extLst>
   </p:cSld>
@@ -4060,110 +3906,6 @@
           <p:cNvPr id="2" name="Title 1">
             <a:extLst>
               <a:ext uri="{FF2B5EF4-FFF2-40B4-BE49-F238E27FC236}">
-                <a16:creationId xmlns:a16="http://schemas.microsoft.com/office/drawing/2014/main" id="{037C434F-78E8-49C1-AC09-0B2CABEA34BA}"/>
-              </a:ext>
-            </a:extLst>
-          </p:cNvPr>
-          <p:cNvSpPr>
-            <a:spLocks noGrp="1"/>
-          </p:cNvSpPr>
-          <p:nvPr>
-            <p:ph type="title"/>
-          </p:nvPr>
-        </p:nvSpPr>
-        <p:spPr/>
-        <p:txBody>
-          <a:bodyPr/>
-          <a:lstStyle/>
-          <a:p>
-            <a:r>
-              <a:rPr lang="en-AU" dirty="0"/>
-              <a:t>Notes on step function</a:t>
-            </a:r>
-          </a:p>
-        </p:txBody>
-      </p:sp>
-      <p:sp>
-        <p:nvSpPr>
-          <p:cNvPr id="3" name="Content Placeholder 2">
-            <a:extLst>
-              <a:ext uri="{FF2B5EF4-FFF2-40B4-BE49-F238E27FC236}">
-                <a16:creationId xmlns:a16="http://schemas.microsoft.com/office/drawing/2014/main" id="{BA271C65-D345-42D7-9DC8-587C1503FB6A}"/>
-              </a:ext>
-            </a:extLst>
-          </p:cNvPr>
-          <p:cNvSpPr>
-            <a:spLocks noGrp="1"/>
-          </p:cNvSpPr>
-          <p:nvPr>
-            <p:ph idx="1"/>
-          </p:nvPr>
-        </p:nvSpPr>
-        <p:spPr/>
-        <p:txBody>
-          <a:bodyPr/>
-          <a:lstStyle/>
-          <a:p>
-            <a:pPr marL="0" indent="0">
-              <a:buNone/>
-            </a:pPr>
-            <a:r>
-              <a:rPr lang="en-AU" dirty="0"/>
-              <a:t>Obviously this is more accurate at small timesteps (delta t)!</a:t>
-            </a:r>
-          </a:p>
-          <a:p>
-            <a:pPr marL="0" indent="0">
-              <a:buNone/>
-            </a:pPr>
-            <a:r>
-              <a:rPr lang="en-AU" dirty="0"/>
-              <a:t>There are better numerical approximations of derivatives out there, I have used the simplest one. </a:t>
-            </a:r>
-          </a:p>
-          <a:p>
-            <a:pPr marL="0" indent="0">
-              <a:buNone/>
-            </a:pPr>
-            <a:endParaRPr lang="en-AU" dirty="0"/>
-          </a:p>
-        </p:txBody>
-      </p:sp>
-    </p:spTree>
-    <p:extLst>
-      <p:ext uri="{BB962C8B-B14F-4D97-AF65-F5344CB8AC3E}">
-        <p14:creationId xmlns:p14="http://schemas.microsoft.com/office/powerpoint/2010/main" val="3413653316"/>
-      </p:ext>
-    </p:extLst>
-  </p:cSld>
-  <p:clrMapOvr>
-    <a:masterClrMapping/>
-  </p:clrMapOvr>
-</p:sld>
-</file>
-
-<file path=ppt/slides/slide12.xml><?xml version="1.0" encoding="utf-8"?>
-<p:sld xmlns:a="http://schemas.openxmlformats.org/drawingml/2006/main" xmlns:r="http://schemas.openxmlformats.org/officeDocument/2006/relationships" xmlns:p="http://schemas.openxmlformats.org/presentationml/2006/main">
-  <p:cSld>
-    <p:spTree>
-      <p:nvGrpSpPr>
-        <p:cNvPr id="1" name=""/>
-        <p:cNvGrpSpPr/>
-        <p:nvPr/>
-      </p:nvGrpSpPr>
-      <p:grpSpPr>
-        <a:xfrm>
-          <a:off x="0" y="0"/>
-          <a:ext cx="0" cy="0"/>
-          <a:chOff x="0" y="0"/>
-          <a:chExt cx="0" cy="0"/>
-        </a:xfrm>
-      </p:grpSpPr>
-      <p:sp>
-        <p:nvSpPr>
-          <p:cNvPr id="2" name="Title 1">
-            <a:extLst>
-              <a:ext uri="{FF2B5EF4-FFF2-40B4-BE49-F238E27FC236}">
                 <a16:creationId xmlns:a16="http://schemas.microsoft.com/office/drawing/2014/main" id="{AC43E6E9-1BA2-48A3-B275-D7317DC88D05}"/>
               </a:ext>
             </a:extLst>
@@ -4246,7 +3988,7 @@
 </p:sld>
 </file>
 
-<file path=ppt/slides/slide13.xml><?xml version="1.0" encoding="utf-8"?>
+<file path=ppt/slides/slide12.xml><?xml version="1.0" encoding="utf-8"?>
 <p:sld xmlns:a="http://schemas.openxmlformats.org/drawingml/2006/main" xmlns:r="http://schemas.openxmlformats.org/officeDocument/2006/relationships" xmlns:p="http://schemas.openxmlformats.org/presentationml/2006/main">
   <p:cSld>
     <p:spTree>
@@ -4423,7 +4165,7 @@
 </p:sld>
 </file>
 
-<file path=ppt/slides/slide14.xml><?xml version="1.0" encoding="utf-8"?>
+<file path=ppt/slides/slide13.xml><?xml version="1.0" encoding="utf-8"?>
 <p:sld xmlns:a="http://schemas.openxmlformats.org/drawingml/2006/main" xmlns:r="http://schemas.openxmlformats.org/officeDocument/2006/relationships" xmlns:p="http://schemas.openxmlformats.org/presentationml/2006/main">
   <p:cSld>
     <p:spTree>
@@ -5323,7 +5065,149 @@
           <a:bodyPr/>
           <a:lstStyle/>
           <a:p>
-            <a:endParaRPr lang="en-AU"/>
+            <a:pPr marL="0" indent="0">
+              <a:buNone/>
+            </a:pPr>
+            <a:r>
+              <a:rPr lang="en-AU" dirty="0"/>
+              <a:t>These loops allow us to repeat a computation a set number of times.</a:t>
+            </a:r>
+          </a:p>
+          <a:p>
+            <a:pPr marL="0" indent="0">
+              <a:buNone/>
+            </a:pPr>
+            <a:endParaRPr lang="en-AU" dirty="0"/>
+          </a:p>
+        </p:txBody>
+      </p:sp>
+      <p:pic>
+        <p:nvPicPr>
+          <p:cNvPr id="4" name="Picture 3">
+            <a:extLst>
+              <a:ext uri="{FF2B5EF4-FFF2-40B4-BE49-F238E27FC236}">
+                <a16:creationId xmlns:a16="http://schemas.microsoft.com/office/drawing/2014/main" id="{A492CD3C-3FCB-4B11-9020-9DE5FDF49E62}"/>
+              </a:ext>
+            </a:extLst>
+          </p:cNvPr>
+          <p:cNvPicPr>
+            <a:picLocks noChangeAspect="1"/>
+          </p:cNvPicPr>
+          <p:nvPr/>
+        </p:nvPicPr>
+        <p:blipFill>
+          <a:blip r:embed="rId2"/>
+          <a:stretch>
+            <a:fillRect/>
+          </a:stretch>
+        </p:blipFill>
+        <p:spPr>
+          <a:xfrm>
+            <a:off x="7248128" y="3400552"/>
+            <a:ext cx="2448272" cy="1828648"/>
+          </a:xfrm>
+          <a:prstGeom prst="rect">
+            <a:avLst/>
+          </a:prstGeom>
+        </p:spPr>
+      </p:pic>
+      <p:pic>
+        <p:nvPicPr>
+          <p:cNvPr id="5" name="Picture 4">
+            <a:extLst>
+              <a:ext uri="{FF2B5EF4-FFF2-40B4-BE49-F238E27FC236}">
+                <a16:creationId xmlns:a16="http://schemas.microsoft.com/office/drawing/2014/main" id="{C42381B5-05C1-4FC3-AD52-108E36817E90}"/>
+              </a:ext>
+            </a:extLst>
+          </p:cNvPr>
+          <p:cNvPicPr>
+            <a:picLocks noChangeAspect="1"/>
+          </p:cNvPicPr>
+          <p:nvPr/>
+        </p:nvPicPr>
+        <p:blipFill>
+          <a:blip r:embed="rId3"/>
+          <a:stretch>
+            <a:fillRect/>
+          </a:stretch>
+        </p:blipFill>
+        <p:spPr>
+          <a:xfrm>
+            <a:off x="1703512" y="3314328"/>
+            <a:ext cx="3942438" cy="1296144"/>
+          </a:xfrm>
+          <a:prstGeom prst="rect">
+            <a:avLst/>
+          </a:prstGeom>
+        </p:spPr>
+      </p:pic>
+      <p:sp>
+        <p:nvSpPr>
+          <p:cNvPr id="6" name="TextBox 5">
+            <a:extLst>
+              <a:ext uri="{FF2B5EF4-FFF2-40B4-BE49-F238E27FC236}">
+                <a16:creationId xmlns:a16="http://schemas.microsoft.com/office/drawing/2014/main" id="{EEA4A193-7F98-43D4-B732-506C7ADC158A}"/>
+              </a:ext>
+            </a:extLst>
+          </p:cNvPr>
+          <p:cNvSpPr txBox="1"/>
+          <p:nvPr/>
+        </p:nvSpPr>
+        <p:spPr>
+          <a:xfrm>
+            <a:off x="1703512" y="2553697"/>
+            <a:ext cx="3528392" cy="646331"/>
+          </a:xfrm>
+          <a:prstGeom prst="rect">
+            <a:avLst/>
+          </a:prstGeom>
+          <a:noFill/>
+        </p:spPr>
+        <p:txBody>
+          <a:bodyPr wrap="square" rtlCol="0">
+            <a:spAutoFit/>
+          </a:bodyPr>
+          <a:lstStyle/>
+          <a:p>
+            <a:r>
+              <a:rPr lang="en-AU" dirty="0"/>
+              <a:t>For loops allow us to do things a certain number of times</a:t>
+            </a:r>
+          </a:p>
+        </p:txBody>
+      </p:sp>
+      <p:sp>
+        <p:nvSpPr>
+          <p:cNvPr id="7" name="TextBox 6">
+            <a:extLst>
+              <a:ext uri="{FF2B5EF4-FFF2-40B4-BE49-F238E27FC236}">
+                <a16:creationId xmlns:a16="http://schemas.microsoft.com/office/drawing/2014/main" id="{94FE3B96-D776-424B-8A80-A978595DCCD1}"/>
+              </a:ext>
+            </a:extLst>
+          </p:cNvPr>
+          <p:cNvSpPr txBox="1"/>
+          <p:nvPr/>
+        </p:nvSpPr>
+        <p:spPr>
+          <a:xfrm>
+            <a:off x="6816080" y="2564904"/>
+            <a:ext cx="3528392" cy="646331"/>
+          </a:xfrm>
+          <a:prstGeom prst="rect">
+            <a:avLst/>
+          </a:prstGeom>
+          <a:noFill/>
+        </p:spPr>
+        <p:txBody>
+          <a:bodyPr wrap="square" rtlCol="0">
+            <a:spAutoFit/>
+          </a:bodyPr>
+          <a:lstStyle/>
+          <a:p>
+            <a:r>
+              <a:rPr lang="en-AU" dirty="0"/>
+              <a:t>While loops allow will keep going while something is true</a:t>
+            </a:r>
           </a:p>
         </p:txBody>
       </p:sp>
@@ -5406,10 +5290,100 @@
           <a:bodyPr/>
           <a:lstStyle/>
           <a:p>
-            <a:endParaRPr lang="en-AU"/>
-          </a:p>
-        </p:txBody>
-      </p:sp>
+            <a:pPr marL="0" indent="0">
+              <a:buNone/>
+            </a:pPr>
+            <a:r>
+              <a:rPr lang="en-AU" dirty="0"/>
+              <a:t>Instead of simply repeating a calculation, we can iterate through time/space to make evolving calculations. Usually this involves each calculation using the data from a previous calculation.</a:t>
+            </a:r>
+          </a:p>
+          <a:p>
+            <a:pPr marL="0" indent="0">
+              <a:buNone/>
+            </a:pPr>
+            <a:r>
+              <a:rPr lang="en-AU" dirty="0" err="1"/>
+              <a:t>Eg</a:t>
+            </a:r>
+            <a:r>
+              <a:rPr lang="en-AU" dirty="0"/>
+              <a:t>, </a:t>
+            </a:r>
+            <a:r>
+              <a:rPr lang="en-AU" dirty="0" err="1"/>
+              <a:t>fibbonaci</a:t>
+            </a:r>
+            <a:r>
+              <a:rPr lang="en-AU" dirty="0"/>
+              <a:t> sequence;</a:t>
+            </a:r>
+          </a:p>
+          <a:p>
+            <a:pPr marL="0" indent="0">
+              <a:buNone/>
+            </a:pPr>
+            <a:endParaRPr lang="en-AU" dirty="0"/>
+          </a:p>
+          <a:p>
+            <a:pPr marL="0" indent="0">
+              <a:buNone/>
+            </a:pPr>
+            <a:endParaRPr lang="en-AU" dirty="0"/>
+          </a:p>
+          <a:p>
+            <a:pPr marL="0" indent="0">
+              <a:buNone/>
+            </a:pPr>
+            <a:endParaRPr lang="en-AU" dirty="0"/>
+          </a:p>
+          <a:p>
+            <a:pPr marL="0" indent="0">
+              <a:buNone/>
+            </a:pPr>
+            <a:r>
+              <a:rPr lang="en-AU" dirty="0"/>
+              <a:t>The most common way to do this is for time-evolving systems, where the current state depends slightly on the previous state.</a:t>
+            </a:r>
+          </a:p>
+          <a:p>
+            <a:pPr marL="0" indent="0">
+              <a:buNone/>
+            </a:pPr>
+            <a:endParaRPr lang="en-AU" dirty="0"/>
+          </a:p>
+        </p:txBody>
+      </p:sp>
+      <p:pic>
+        <p:nvPicPr>
+          <p:cNvPr id="4" name="Picture 3">
+            <a:extLst>
+              <a:ext uri="{FF2B5EF4-FFF2-40B4-BE49-F238E27FC236}">
+                <a16:creationId xmlns:a16="http://schemas.microsoft.com/office/drawing/2014/main" id="{8B321CD0-48DD-4926-B57A-FAC89AAFC3BA}"/>
+              </a:ext>
+            </a:extLst>
+          </p:cNvPr>
+          <p:cNvPicPr>
+            <a:picLocks noChangeAspect="1"/>
+          </p:cNvPicPr>
+          <p:nvPr/>
+        </p:nvPicPr>
+        <p:blipFill>
+          <a:blip r:embed="rId2"/>
+          <a:stretch>
+            <a:fillRect/>
+          </a:stretch>
+        </p:blipFill>
+        <p:spPr>
+          <a:xfrm>
+            <a:off x="3143672" y="3468848"/>
+            <a:ext cx="5734050" cy="1295400"/>
+          </a:xfrm>
+          <a:prstGeom prst="rect">
+            <a:avLst/>
+          </a:prstGeom>
+        </p:spPr>
+      </p:pic>
     </p:spTree>
     <p:extLst>
       <p:ext uri="{BB962C8B-B14F-4D97-AF65-F5344CB8AC3E}">
@@ -5424,89 +5398,6 @@
 </file>
 
 <file path=ppt/slides/slide6.xml><?xml version="1.0" encoding="utf-8"?>
-<p:sld xmlns:a="http://schemas.openxmlformats.org/drawingml/2006/main" xmlns:r="http://schemas.openxmlformats.org/officeDocument/2006/relationships" xmlns:p="http://schemas.openxmlformats.org/presentationml/2006/main">
-  <p:cSld>
-    <p:spTree>
-      <p:nvGrpSpPr>
-        <p:cNvPr id="1" name=""/>
-        <p:cNvGrpSpPr/>
-        <p:nvPr/>
-      </p:nvGrpSpPr>
-      <p:grpSpPr>
-        <a:xfrm>
-          <a:off x="0" y="0"/>
-          <a:ext cx="0" cy="0"/>
-          <a:chOff x="0" y="0"/>
-          <a:chExt cx="0" cy="0"/>
-        </a:xfrm>
-      </p:grpSpPr>
-      <p:sp>
-        <p:nvSpPr>
-          <p:cNvPr id="2" name="Title 1">
-            <a:extLst>
-              <a:ext uri="{FF2B5EF4-FFF2-40B4-BE49-F238E27FC236}">
-                <a16:creationId xmlns:a16="http://schemas.microsoft.com/office/drawing/2014/main" id="{1E60A974-8D8C-4860-944D-DC8957DB0BEC}"/>
-              </a:ext>
-            </a:extLst>
-          </p:cNvPr>
-          <p:cNvSpPr>
-            <a:spLocks noGrp="1"/>
-          </p:cNvSpPr>
-          <p:nvPr>
-            <p:ph type="title"/>
-          </p:nvPr>
-        </p:nvSpPr>
-        <p:spPr/>
-        <p:txBody>
-          <a:bodyPr/>
-          <a:lstStyle/>
-          <a:p>
-            <a:r>
-              <a:rPr lang="en-AU" dirty="0"/>
-              <a:t>Iterating through space</a:t>
-            </a:r>
-          </a:p>
-        </p:txBody>
-      </p:sp>
-      <p:sp>
-        <p:nvSpPr>
-          <p:cNvPr id="3" name="Content Placeholder 2">
-            <a:extLst>
-              <a:ext uri="{FF2B5EF4-FFF2-40B4-BE49-F238E27FC236}">
-                <a16:creationId xmlns:a16="http://schemas.microsoft.com/office/drawing/2014/main" id="{0E4B7E75-C3C1-413F-9691-457063D963F5}"/>
-              </a:ext>
-            </a:extLst>
-          </p:cNvPr>
-          <p:cNvSpPr>
-            <a:spLocks noGrp="1"/>
-          </p:cNvSpPr>
-          <p:nvPr>
-            <p:ph idx="1"/>
-          </p:nvPr>
-        </p:nvSpPr>
-        <p:spPr/>
-        <p:txBody>
-          <a:bodyPr/>
-          <a:lstStyle/>
-          <a:p>
-            <a:endParaRPr lang="en-AU"/>
-          </a:p>
-        </p:txBody>
-      </p:sp>
-    </p:spTree>
-    <p:extLst>
-      <p:ext uri="{BB962C8B-B14F-4D97-AF65-F5344CB8AC3E}">
-        <p14:creationId xmlns:p14="http://schemas.microsoft.com/office/powerpoint/2010/main" val="109146268"/>
-      </p:ext>
-    </p:extLst>
-  </p:cSld>
-  <p:clrMapOvr>
-    <a:masterClrMapping/>
-  </p:clrMapOvr>
-</p:sld>
-</file>
-
-<file path=ppt/slides/slide7.xml><?xml version="1.0" encoding="utf-8"?>
 <p:sld xmlns:a="http://schemas.openxmlformats.org/drawingml/2006/main" xmlns:r="http://schemas.openxmlformats.org/officeDocument/2006/relationships" xmlns:p="http://schemas.openxmlformats.org/presentationml/2006/main">
   <p:cSld>
     <p:spTree>
@@ -5691,7 +5582,7 @@
 </p:sld>
 </file>
 
-<file path=ppt/slides/slide8.xml><?xml version="1.0" encoding="utf-8"?>
+<file path=ppt/slides/slide7.xml><?xml version="1.0" encoding="utf-8"?>
 <p:sld xmlns:a="http://schemas.openxmlformats.org/drawingml/2006/main" xmlns:r="http://schemas.openxmlformats.org/officeDocument/2006/relationships" xmlns:p="http://schemas.openxmlformats.org/presentationml/2006/main">
   <p:cSld>
     <p:spTree>
@@ -5835,7 +5726,7 @@
 </p:sld>
 </file>
 
-<file path=ppt/slides/slide9.xml><?xml version="1.0" encoding="utf-8"?>
+<file path=ppt/slides/slide8.xml><?xml version="1.0" encoding="utf-8"?>
 <p:sld xmlns:a="http://schemas.openxmlformats.org/drawingml/2006/main" xmlns:r="http://schemas.openxmlformats.org/officeDocument/2006/relationships" xmlns:p="http://schemas.openxmlformats.org/presentationml/2006/main">
   <p:cSld>
     <p:spTree>
@@ -6005,6 +5896,263 @@
     <p:extLst>
       <p:ext uri="{BB962C8B-B14F-4D97-AF65-F5344CB8AC3E}">
         <p14:creationId xmlns:p14="http://schemas.microsoft.com/office/powerpoint/2010/main" val="916118528"/>
+      </p:ext>
+    </p:extLst>
+  </p:cSld>
+  <p:clrMapOvr>
+    <a:masterClrMapping/>
+  </p:clrMapOvr>
+</p:sld>
+</file>
+
+<file path=ppt/slides/slide9.xml><?xml version="1.0" encoding="utf-8"?>
+<p:sld xmlns:a="http://schemas.openxmlformats.org/drawingml/2006/main" xmlns:r="http://schemas.openxmlformats.org/officeDocument/2006/relationships" xmlns:p="http://schemas.openxmlformats.org/presentationml/2006/main">
+  <p:cSld>
+    <p:spTree>
+      <p:nvGrpSpPr>
+        <p:cNvPr id="1" name=""/>
+        <p:cNvGrpSpPr/>
+        <p:nvPr/>
+      </p:nvGrpSpPr>
+      <p:grpSpPr>
+        <a:xfrm>
+          <a:off x="0" y="0"/>
+          <a:ext cx="0" cy="0"/>
+          <a:chOff x="0" y="0"/>
+          <a:chExt cx="0" cy="0"/>
+        </a:xfrm>
+      </p:grpSpPr>
+      <p:sp>
+        <p:nvSpPr>
+          <p:cNvPr id="2" name="Title 1">
+            <a:extLst>
+              <a:ext uri="{FF2B5EF4-FFF2-40B4-BE49-F238E27FC236}">
+                <a16:creationId xmlns:a16="http://schemas.microsoft.com/office/drawing/2014/main" id="{8F8736DF-F3C3-423B-B1C2-695F27986E61}"/>
+              </a:ext>
+            </a:extLst>
+          </p:cNvPr>
+          <p:cNvSpPr>
+            <a:spLocks noGrp="1"/>
+          </p:cNvSpPr>
+          <p:nvPr>
+            <p:ph type="title"/>
+          </p:nvPr>
+        </p:nvSpPr>
+        <p:spPr/>
+        <p:txBody>
+          <a:bodyPr/>
+          <a:lstStyle/>
+          <a:p>
+            <a:r>
+              <a:rPr lang="en-AU" dirty="0"/>
+              <a:t>Determining the step function</a:t>
+            </a:r>
+          </a:p>
+        </p:txBody>
+      </p:sp>
+      <p:sp>
+        <p:nvSpPr>
+          <p:cNvPr id="3" name="Content Placeholder 2">
+            <a:extLst>
+              <a:ext uri="{FF2B5EF4-FFF2-40B4-BE49-F238E27FC236}">
+                <a16:creationId xmlns:a16="http://schemas.microsoft.com/office/drawing/2014/main" id="{7AF4B6BA-CDA6-44A1-AB45-2BF634981CB3}"/>
+              </a:ext>
+            </a:extLst>
+          </p:cNvPr>
+          <p:cNvSpPr>
+            <a:spLocks noGrp="1"/>
+          </p:cNvSpPr>
+          <p:nvPr>
+            <p:ph idx="1"/>
+          </p:nvPr>
+        </p:nvSpPr>
+        <p:spPr/>
+        <p:txBody>
+          <a:bodyPr/>
+          <a:lstStyle/>
+          <a:p>
+            <a:pPr marL="0" indent="0">
+              <a:buNone/>
+            </a:pPr>
+            <a:endParaRPr lang="en-AU" dirty="0"/>
+          </a:p>
+          <a:p>
+            <a:pPr marL="0" indent="0">
+              <a:buNone/>
+            </a:pPr>
+            <a:endParaRPr lang="en-AU" dirty="0"/>
+          </a:p>
+          <a:p>
+            <a:pPr marL="0" indent="0">
+              <a:buNone/>
+            </a:pPr>
+            <a:r>
+              <a:rPr lang="en-AU" dirty="0"/>
+              <a:t>Let’s do a first order, finite-difference approximation of the derivative:</a:t>
+            </a:r>
+          </a:p>
+          <a:p>
+            <a:pPr marL="0" indent="0">
+              <a:buNone/>
+            </a:pPr>
+            <a:endParaRPr lang="en-AU" dirty="0"/>
+          </a:p>
+          <a:p>
+            <a:pPr marL="0" indent="0">
+              <a:buNone/>
+            </a:pPr>
+            <a:endParaRPr lang="en-AU" dirty="0"/>
+          </a:p>
+          <a:p>
+            <a:pPr marL="0" indent="0">
+              <a:buNone/>
+            </a:pPr>
+            <a:r>
+              <a:rPr lang="en-AU" dirty="0"/>
+              <a:t>Which we can then extend:</a:t>
+            </a:r>
+          </a:p>
+          <a:p>
+            <a:pPr marL="0" indent="0">
+              <a:buNone/>
+            </a:pPr>
+            <a:endParaRPr lang="en-AU" dirty="0"/>
+          </a:p>
+          <a:p>
+            <a:pPr marL="0" indent="0">
+              <a:buNone/>
+            </a:pPr>
+            <a:r>
+              <a:rPr lang="en-AU" dirty="0"/>
+              <a:t>And we get our step-function! </a:t>
+            </a:r>
+          </a:p>
+        </p:txBody>
+      </p:sp>
+      <p:pic>
+        <p:nvPicPr>
+          <p:cNvPr id="4" name="Picture 3">
+            <a:extLst>
+              <a:ext uri="{FF2B5EF4-FFF2-40B4-BE49-F238E27FC236}">
+                <a16:creationId xmlns:a16="http://schemas.microsoft.com/office/drawing/2014/main" id="{1AA36A05-ECA4-472F-AA1A-BAC234782C16}"/>
+              </a:ext>
+            </a:extLst>
+          </p:cNvPr>
+          <p:cNvPicPr>
+            <a:picLocks noChangeAspect="1"/>
+          </p:cNvPicPr>
+          <p:nvPr/>
+        </p:nvPicPr>
+        <p:blipFill>
+          <a:blip r:embed="rId2"/>
+          <a:stretch>
+            <a:fillRect/>
+          </a:stretch>
+        </p:blipFill>
+        <p:spPr>
+          <a:xfrm>
+            <a:off x="4871864" y="1620433"/>
+            <a:ext cx="1944216" cy="864096"/>
+          </a:xfrm>
+          <a:prstGeom prst="rect">
+            <a:avLst/>
+          </a:prstGeom>
+        </p:spPr>
+      </p:pic>
+      <p:pic>
+        <p:nvPicPr>
+          <p:cNvPr id="5" name="Picture 4">
+            <a:extLst>
+              <a:ext uri="{FF2B5EF4-FFF2-40B4-BE49-F238E27FC236}">
+                <a16:creationId xmlns:a16="http://schemas.microsoft.com/office/drawing/2014/main" id="{07CB1277-FCB9-4504-8432-A7B41CB1CBED}"/>
+              </a:ext>
+            </a:extLst>
+          </p:cNvPr>
+          <p:cNvPicPr>
+            <a:picLocks noChangeAspect="1"/>
+          </p:cNvPicPr>
+          <p:nvPr/>
+        </p:nvPicPr>
+        <p:blipFill>
+          <a:blip r:embed="rId3"/>
+          <a:stretch>
+            <a:fillRect/>
+          </a:stretch>
+        </p:blipFill>
+        <p:spPr>
+          <a:xfrm>
+            <a:off x="4548572" y="3284984"/>
+            <a:ext cx="2590800" cy="723900"/>
+          </a:xfrm>
+          <a:prstGeom prst="rect">
+            <a:avLst/>
+          </a:prstGeom>
+        </p:spPr>
+      </p:pic>
+      <p:pic>
+        <p:nvPicPr>
+          <p:cNvPr id="6" name="Picture 5">
+            <a:extLst>
+              <a:ext uri="{FF2B5EF4-FFF2-40B4-BE49-F238E27FC236}">
+                <a16:creationId xmlns:a16="http://schemas.microsoft.com/office/drawing/2014/main" id="{20D0CC69-E831-4AC7-90B5-6EFC5572C06F}"/>
+              </a:ext>
+            </a:extLst>
+          </p:cNvPr>
+          <p:cNvPicPr>
+            <a:picLocks noChangeAspect="1"/>
+          </p:cNvPicPr>
+          <p:nvPr/>
+        </p:nvPicPr>
+        <p:blipFill>
+          <a:blip r:embed="rId4"/>
+          <a:stretch>
+            <a:fillRect/>
+          </a:stretch>
+        </p:blipFill>
+        <p:spPr>
+          <a:xfrm>
+            <a:off x="4024697" y="4735485"/>
+            <a:ext cx="3638550" cy="590550"/>
+          </a:xfrm>
+          <a:prstGeom prst="rect">
+            <a:avLst/>
+          </a:prstGeom>
+        </p:spPr>
+      </p:pic>
+      <p:pic>
+        <p:nvPicPr>
+          <p:cNvPr id="7" name="Picture 6">
+            <a:extLst>
+              <a:ext uri="{FF2B5EF4-FFF2-40B4-BE49-F238E27FC236}">
+                <a16:creationId xmlns:a16="http://schemas.microsoft.com/office/drawing/2014/main" id="{57F1D75B-EC12-47A3-A650-FEF6B58747AC}"/>
+              </a:ext>
+            </a:extLst>
+          </p:cNvPr>
+          <p:cNvPicPr>
+            <a:picLocks noChangeAspect="1"/>
+          </p:cNvPicPr>
+          <p:nvPr/>
+        </p:nvPicPr>
+        <p:blipFill>
+          <a:blip r:embed="rId5"/>
+          <a:stretch>
+            <a:fillRect/>
+          </a:stretch>
+        </p:blipFill>
+        <p:spPr>
+          <a:xfrm>
+            <a:off x="4295800" y="5857875"/>
+            <a:ext cx="3276600" cy="542925"/>
+          </a:xfrm>
+          <a:prstGeom prst="rect">
+            <a:avLst/>
+          </a:prstGeom>
+        </p:spPr>
+      </p:pic>
+    </p:spTree>
+    <p:extLst>
+      <p:ext uri="{BB962C8B-B14F-4D97-AF65-F5344CB8AC3E}">
+        <p14:creationId xmlns:p14="http://schemas.microsoft.com/office/powerpoint/2010/main" val="51208511"/>
       </p:ext>
     </p:extLst>
   </p:cSld>
@@ -7838,15 +7986,6 @@
 </file>
 
 <file path=customXml/item2.xml><?xml version="1.0" encoding="utf-8"?>
-<?mso-contentType ?>
-<FormTemplates xmlns="http://schemas.microsoft.com/sharepoint/v3/contenttype/forms">
-  <Display>DocumentLibraryForm</Display>
-  <Edit>AssetEditForm</Edit>
-  <New>DocumentLibraryForm</New>
-</FormTemplates>
-</file>
-
-<file path=customXml/item3.xml><?xml version="1.0" encoding="utf-8"?>
 <p:properties xmlns:p="http://schemas.microsoft.com/office/2006/metadata/properties" xmlns:xsi="http://www.w3.org/2001/XMLSchema-instance" xmlns:pc="http://schemas.microsoft.com/office/infopath/2007/PartnerControls">
   <documentManagement>
     <DirectSourceMarket xmlns="4873beb7-5857-4685-be1f-d57550cc96cc" xsi:nil="true"/>
@@ -7972,6 +8111,15 @@
 </p:properties>
 </file>
 
+<file path=customXml/item3.xml><?xml version="1.0" encoding="utf-8"?>
+<?mso-contentType ?>
+<FormTemplates xmlns="http://schemas.microsoft.com/sharepoint/v3/contenttype/forms">
+  <Display>DocumentLibraryForm</Display>
+  <Edit>AssetEditForm</Edit>
+  <New>DocumentLibraryForm</New>
+</FormTemplates>
+</file>
+
 <file path=customXml/itemProps1.xml><?xml version="1.0" encoding="utf-8"?>
 <ds:datastoreItem xmlns:ds="http://schemas.openxmlformats.org/officeDocument/2006/customXml" ds:itemID="{0B5C6E15-39DC-470B-9445-F754B9458020}">
   <ds:schemaRefs>
@@ -7991,14 +8139,6 @@
 </file>
 
 <file path=customXml/itemProps2.xml><?xml version="1.0" encoding="utf-8"?>
-<ds:datastoreItem xmlns:ds="http://schemas.openxmlformats.org/officeDocument/2006/customXml" ds:itemID="{746CFF6F-D9AA-4BC0-911A-0A1356771912}">
-  <ds:schemaRefs>
-    <ds:schemaRef ds:uri="http://schemas.microsoft.com/sharepoint/v3/contenttype/forms"/>
-  </ds:schemaRefs>
-</ds:datastoreItem>
-</file>
-
-<file path=customXml/itemProps3.xml><?xml version="1.0" encoding="utf-8"?>
 <ds:datastoreItem xmlns:ds="http://schemas.openxmlformats.org/officeDocument/2006/customXml" ds:itemID="{04098515-0C12-46CF-BC7C-69B4A13CD5FA}">
   <ds:schemaRefs>
     <ds:schemaRef ds:uri="http://schemas.microsoft.com/office/2006/documentManagement/types"/>
@@ -8012,4 +8152,12 @@
     <ds:schemaRef ds:uri="http://purl.org/dc/dcmitype/"/>
   </ds:schemaRefs>
 </ds:datastoreItem>
+</file>
+
+<file path=customXml/itemProps3.xml><?xml version="1.0" encoding="utf-8"?>
+<ds:datastoreItem xmlns:ds="http://schemas.openxmlformats.org/officeDocument/2006/customXml" ds:itemID="{746CFF6F-D9AA-4BC0-911A-0A1356771912}">
+  <ds:schemaRefs>
+    <ds:schemaRef ds:uri="http://schemas.microsoft.com/sharepoint/v3/contenttype/forms"/>
+  </ds:schemaRefs>
+</ds:datastoreItem>
 </file>
--- a/Tutorial 5 Iterative Methods/Tutorial 5 Presentation.pptx
+++ b/Tutorial 5 Iterative Methods/Tutorial 5 Presentation.pptx
@@ -5,10 +5,10 @@
     <p:sldMasterId id="2147483648" r:id="rId4"/>
   </p:sldMasterIdLst>
   <p:notesMasterIdLst>
-    <p:notesMasterId r:id="rId18"/>
+    <p:notesMasterId r:id="rId28"/>
   </p:notesMasterIdLst>
   <p:handoutMasterIdLst>
-    <p:handoutMasterId r:id="rId19"/>
+    <p:handoutMasterId r:id="rId29"/>
   </p:handoutMasterIdLst>
   <p:sldIdLst>
     <p:sldId id="256" r:id="rId5"/>
@@ -16,14 +16,24 @@
     <p:sldId id="260" r:id="rId7"/>
     <p:sldId id="261" r:id="rId8"/>
     <p:sldId id="262" r:id="rId9"/>
-    <p:sldId id="266" r:id="rId10"/>
-    <p:sldId id="267" r:id="rId11"/>
-    <p:sldId id="268" r:id="rId12"/>
-    <p:sldId id="269" r:id="rId13"/>
-    <p:sldId id="270" r:id="rId14"/>
-    <p:sldId id="271" r:id="rId15"/>
-    <p:sldId id="264" r:id="rId16"/>
-    <p:sldId id="265" r:id="rId17"/>
+    <p:sldId id="273" r:id="rId10"/>
+    <p:sldId id="266" r:id="rId11"/>
+    <p:sldId id="267" r:id="rId12"/>
+    <p:sldId id="268" r:id="rId13"/>
+    <p:sldId id="269" r:id="rId14"/>
+    <p:sldId id="270" r:id="rId15"/>
+    <p:sldId id="271" r:id="rId16"/>
+    <p:sldId id="274" r:id="rId17"/>
+    <p:sldId id="275" r:id="rId18"/>
+    <p:sldId id="276" r:id="rId19"/>
+    <p:sldId id="277" r:id="rId20"/>
+    <p:sldId id="278" r:id="rId21"/>
+    <p:sldId id="280" r:id="rId22"/>
+    <p:sldId id="281" r:id="rId23"/>
+    <p:sldId id="282" r:id="rId24"/>
+    <p:sldId id="283" r:id="rId25"/>
+    <p:sldId id="284" r:id="rId26"/>
+    <p:sldId id="279" r:id="rId27"/>
   </p:sldIdLst>
   <p:sldSz cx="12192000" cy="6858000"/>
   <p:notesSz cx="6858000" cy="9144000"/>
@@ -226,7 +236,7 @@
           <a:p>
             <a:fld id="{762B48F5-BACC-47D6-A0F7-82FBF9C6BC85}" type="datetimeFigureOut">
               <a:rPr lang="en-US"/>
-              <a:t>3/9/2020</a:t>
+              <a:t>3/19/2020</a:t>
             </a:fld>
             <a:endParaRPr/>
           </a:p>
@@ -391,7 +401,7 @@
           <a:p>
             <a:fld id="{0CB1CD00-5424-4675-AB18-2C419B060449}" type="datetimeFigureOut">
               <a:rPr lang="en-US"/>
-              <a:t>3/9/2020</a:t>
+              <a:t>3/19/2020</a:t>
             </a:fld>
             <a:endParaRPr/>
           </a:p>
@@ -1036,7 +1046,7 @@
           <a:p>
             <a:fld id="{37CC0096-1860-4642-9CD2-0079EA5E7CD1}" type="datetimeFigureOut">
               <a:rPr lang="en-US" smtClean="0"/>
-              <a:t>3/9/2020</a:t>
+              <a:t>3/19/2020</a:t>
             </a:fld>
             <a:endParaRPr lang="en-US"/>
           </a:p>
@@ -1215,7 +1225,7 @@
           <a:p>
             <a:fld id="{37CC0096-1860-4642-9CD2-0079EA5E7CD1}" type="datetimeFigureOut">
               <a:rPr lang="en-US" smtClean="0"/>
-              <a:t>3/9/2020</a:t>
+              <a:t>3/19/2020</a:t>
             </a:fld>
             <a:endParaRPr lang="en-US"/>
           </a:p>
@@ -1388,7 +1398,7 @@
           <a:p>
             <a:fld id="{37CC0096-1860-4642-9CD2-0079EA5E7CD1}" type="datetimeFigureOut">
               <a:rPr lang="en-US" smtClean="0"/>
-              <a:t>3/9/2020</a:t>
+              <a:t>3/19/2020</a:t>
             </a:fld>
             <a:endParaRPr lang="en-US"/>
           </a:p>
@@ -1821,7 +1831,7 @@
           <a:p>
             <a:fld id="{37CC0096-1860-4642-9CD2-0079EA5E7CD1}" type="datetimeFigureOut">
               <a:rPr lang="en-US" smtClean="0"/>
-              <a:t>3/9/2020</a:t>
+              <a:t>3/19/2020</a:t>
             </a:fld>
             <a:endParaRPr lang="en-US"/>
           </a:p>
@@ -2260,7 +2270,7 @@
           <a:p>
             <a:fld id="{37CC0096-1860-4642-9CD2-0079EA5E7CD1}" type="datetimeFigureOut">
               <a:rPr lang="en-US" smtClean="0"/>
-              <a:t>3/9/2020</a:t>
+              <a:t>3/19/2020</a:t>
             </a:fld>
             <a:endParaRPr lang="en-US"/>
           </a:p>
@@ -2377,7 +2387,7 @@
           <a:p>
             <a:fld id="{37CC0096-1860-4642-9CD2-0079EA5E7CD1}" type="datetimeFigureOut">
               <a:rPr lang="en-US" smtClean="0"/>
-              <a:t>3/9/2020</a:t>
+              <a:t>3/19/2020</a:t>
             </a:fld>
             <a:endParaRPr lang="en-US"/>
           </a:p>
@@ -2472,7 +2482,7 @@
           <a:p>
             <a:fld id="{37CC0096-1860-4642-9CD2-0079EA5E7CD1}" type="datetimeFigureOut">
               <a:rPr lang="en-US" smtClean="0"/>
-              <a:t>3/9/2020</a:t>
+              <a:t>3/19/2020</a:t>
             </a:fld>
             <a:endParaRPr lang="en-US"/>
           </a:p>
@@ -2756,7 +2766,7 @@
           <a:p>
             <a:fld id="{37CC0096-1860-4642-9CD2-0079EA5E7CD1}" type="datetimeFigureOut">
               <a:rPr lang="en-US" smtClean="0"/>
-              <a:t>3/9/2020</a:t>
+              <a:t>3/19/2020</a:t>
             </a:fld>
             <a:endParaRPr lang="en-US"/>
           </a:p>
@@ -3067,7 +3077,7 @@
           <a:p>
             <a:fld id="{37CC0096-1860-4642-9CD2-0079EA5E7CD1}" type="datetimeFigureOut">
               <a:rPr lang="en-US" smtClean="0"/>
-              <a:t>3/9/2020</a:t>
+              <a:t>3/19/2020</a:t>
             </a:fld>
             <a:endParaRPr lang="en-US"/>
           </a:p>
@@ -3299,7 +3309,7 @@
             <a:fld id="{37CC0096-1860-4642-9CD2-0079EA5E7CD1}" type="datetimeFigureOut">
               <a:rPr lang="en-US" smtClean="0"/>
               <a:pPr/>
-              <a:t>3/9/2020</a:t>
+              <a:t>3/19/2020</a:t>
             </a:fld>
             <a:endParaRPr lang="en-US"/>
           </a:p>
@@ -3802,7 +3812,7 @@
           <p:cNvPr id="2" name="Title 1">
             <a:extLst>
               <a:ext uri="{FF2B5EF4-FFF2-40B4-BE49-F238E27FC236}">
-                <a16:creationId xmlns:a16="http://schemas.microsoft.com/office/drawing/2014/main" id="{037C434F-78E8-49C1-AC09-0B2CABEA34BA}"/>
+                <a16:creationId xmlns:a16="http://schemas.microsoft.com/office/drawing/2014/main" id="{8F8736DF-F3C3-423B-B1C2-695F27986E61}"/>
               </a:ext>
             </a:extLst>
           </p:cNvPr>
@@ -3820,7 +3830,7 @@
           <a:p>
             <a:r>
               <a:rPr lang="en-AU" dirty="0"/>
-              <a:t>Notes on step function</a:t>
+              <a:t>Determining the step function</a:t>
             </a:r>
           </a:p>
         </p:txBody>
@@ -3830,7 +3840,7 @@
           <p:cNvPr id="3" name="Content Placeholder 2">
             <a:extLst>
               <a:ext uri="{FF2B5EF4-FFF2-40B4-BE49-F238E27FC236}">
-                <a16:creationId xmlns:a16="http://schemas.microsoft.com/office/drawing/2014/main" id="{BA271C65-D345-42D7-9DC8-587C1503FB6A}"/>
+                <a16:creationId xmlns:a16="http://schemas.microsoft.com/office/drawing/2014/main" id="{7AF4B6BA-CDA6-44A1-AB45-2BF634981CB3}"/>
               </a:ext>
             </a:extLst>
           </p:cNvPr>
@@ -3849,32 +3859,185 @@
             <a:pPr marL="0" indent="0">
               <a:buNone/>
             </a:pPr>
-            <a:r>
-              <a:rPr lang="en-AU" dirty="0"/>
-              <a:t>Obviously this is more accurate at small timesteps (delta t)!</a:t>
-            </a:r>
-          </a:p>
-          <a:p>
-            <a:pPr marL="0" indent="0">
-              <a:buNone/>
-            </a:pPr>
-            <a:r>
-              <a:rPr lang="en-AU" dirty="0"/>
-              <a:t>There are better numerical approximations of derivatives out there, I have used the simplest one. </a:t>
-            </a:r>
-          </a:p>
-          <a:p>
-            <a:pPr marL="0" indent="0">
-              <a:buNone/>
-            </a:pPr>
             <a:endParaRPr lang="en-AU" dirty="0"/>
           </a:p>
-        </p:txBody>
-      </p:sp>
+          <a:p>
+            <a:pPr marL="0" indent="0">
+              <a:buNone/>
+            </a:pPr>
+            <a:endParaRPr lang="en-AU" dirty="0"/>
+          </a:p>
+          <a:p>
+            <a:pPr marL="0" indent="0">
+              <a:buNone/>
+            </a:pPr>
+            <a:r>
+              <a:rPr lang="en-AU" dirty="0"/>
+              <a:t>Let’s do a first order, finite-difference approximation of the derivative:</a:t>
+            </a:r>
+          </a:p>
+          <a:p>
+            <a:pPr marL="0" indent="0">
+              <a:buNone/>
+            </a:pPr>
+            <a:endParaRPr lang="en-AU" dirty="0"/>
+          </a:p>
+          <a:p>
+            <a:pPr marL="0" indent="0">
+              <a:buNone/>
+            </a:pPr>
+            <a:endParaRPr lang="en-AU" dirty="0"/>
+          </a:p>
+          <a:p>
+            <a:pPr marL="0" indent="0">
+              <a:buNone/>
+            </a:pPr>
+            <a:r>
+              <a:rPr lang="en-AU" dirty="0"/>
+              <a:t>Which we can then extend:</a:t>
+            </a:r>
+          </a:p>
+          <a:p>
+            <a:pPr marL="0" indent="0">
+              <a:buNone/>
+            </a:pPr>
+            <a:endParaRPr lang="en-AU" dirty="0"/>
+          </a:p>
+          <a:p>
+            <a:pPr marL="0" indent="0">
+              <a:buNone/>
+            </a:pPr>
+            <a:r>
+              <a:rPr lang="en-AU" dirty="0"/>
+              <a:t>And we get our step-function! </a:t>
+            </a:r>
+          </a:p>
+        </p:txBody>
+      </p:sp>
+      <p:pic>
+        <p:nvPicPr>
+          <p:cNvPr id="4" name="Picture 3">
+            <a:extLst>
+              <a:ext uri="{FF2B5EF4-FFF2-40B4-BE49-F238E27FC236}">
+                <a16:creationId xmlns:a16="http://schemas.microsoft.com/office/drawing/2014/main" id="{1AA36A05-ECA4-472F-AA1A-BAC234782C16}"/>
+              </a:ext>
+            </a:extLst>
+          </p:cNvPr>
+          <p:cNvPicPr>
+            <a:picLocks noChangeAspect="1"/>
+          </p:cNvPicPr>
+          <p:nvPr/>
+        </p:nvPicPr>
+        <p:blipFill>
+          <a:blip r:embed="rId2"/>
+          <a:stretch>
+            <a:fillRect/>
+          </a:stretch>
+        </p:blipFill>
+        <p:spPr>
+          <a:xfrm>
+            <a:off x="4871864" y="1620433"/>
+            <a:ext cx="1944216" cy="864096"/>
+          </a:xfrm>
+          <a:prstGeom prst="rect">
+            <a:avLst/>
+          </a:prstGeom>
+        </p:spPr>
+      </p:pic>
+      <p:pic>
+        <p:nvPicPr>
+          <p:cNvPr id="5" name="Picture 4">
+            <a:extLst>
+              <a:ext uri="{FF2B5EF4-FFF2-40B4-BE49-F238E27FC236}">
+                <a16:creationId xmlns:a16="http://schemas.microsoft.com/office/drawing/2014/main" id="{07CB1277-FCB9-4504-8432-A7B41CB1CBED}"/>
+              </a:ext>
+            </a:extLst>
+          </p:cNvPr>
+          <p:cNvPicPr>
+            <a:picLocks noChangeAspect="1"/>
+          </p:cNvPicPr>
+          <p:nvPr/>
+        </p:nvPicPr>
+        <p:blipFill>
+          <a:blip r:embed="rId3"/>
+          <a:stretch>
+            <a:fillRect/>
+          </a:stretch>
+        </p:blipFill>
+        <p:spPr>
+          <a:xfrm>
+            <a:off x="4548572" y="3284984"/>
+            <a:ext cx="2590800" cy="723900"/>
+          </a:xfrm>
+          <a:prstGeom prst="rect">
+            <a:avLst/>
+          </a:prstGeom>
+        </p:spPr>
+      </p:pic>
+      <p:pic>
+        <p:nvPicPr>
+          <p:cNvPr id="6" name="Picture 5">
+            <a:extLst>
+              <a:ext uri="{FF2B5EF4-FFF2-40B4-BE49-F238E27FC236}">
+                <a16:creationId xmlns:a16="http://schemas.microsoft.com/office/drawing/2014/main" id="{20D0CC69-E831-4AC7-90B5-6EFC5572C06F}"/>
+              </a:ext>
+            </a:extLst>
+          </p:cNvPr>
+          <p:cNvPicPr>
+            <a:picLocks noChangeAspect="1"/>
+          </p:cNvPicPr>
+          <p:nvPr/>
+        </p:nvPicPr>
+        <p:blipFill>
+          <a:blip r:embed="rId4"/>
+          <a:stretch>
+            <a:fillRect/>
+          </a:stretch>
+        </p:blipFill>
+        <p:spPr>
+          <a:xfrm>
+            <a:off x="4024697" y="4735485"/>
+            <a:ext cx="3638550" cy="590550"/>
+          </a:xfrm>
+          <a:prstGeom prst="rect">
+            <a:avLst/>
+          </a:prstGeom>
+        </p:spPr>
+      </p:pic>
+      <p:pic>
+        <p:nvPicPr>
+          <p:cNvPr id="7" name="Picture 6">
+            <a:extLst>
+              <a:ext uri="{FF2B5EF4-FFF2-40B4-BE49-F238E27FC236}">
+                <a16:creationId xmlns:a16="http://schemas.microsoft.com/office/drawing/2014/main" id="{57F1D75B-EC12-47A3-A650-FEF6B58747AC}"/>
+              </a:ext>
+            </a:extLst>
+          </p:cNvPr>
+          <p:cNvPicPr>
+            <a:picLocks noChangeAspect="1"/>
+          </p:cNvPicPr>
+          <p:nvPr/>
+        </p:nvPicPr>
+        <p:blipFill>
+          <a:blip r:embed="rId5"/>
+          <a:stretch>
+            <a:fillRect/>
+          </a:stretch>
+        </p:blipFill>
+        <p:spPr>
+          <a:xfrm>
+            <a:off x="4295800" y="5857875"/>
+            <a:ext cx="3276600" cy="542925"/>
+          </a:xfrm>
+          <a:prstGeom prst="rect">
+            <a:avLst/>
+          </a:prstGeom>
+        </p:spPr>
+      </p:pic>
     </p:spTree>
     <p:extLst>
       <p:ext uri="{BB962C8B-B14F-4D97-AF65-F5344CB8AC3E}">
-        <p14:creationId xmlns:p14="http://schemas.microsoft.com/office/powerpoint/2010/main" val="3413653316"/>
+        <p14:creationId xmlns:p14="http://schemas.microsoft.com/office/powerpoint/2010/main" val="51208511"/>
       </p:ext>
     </p:extLst>
   </p:cSld>
@@ -3906,7 +4069,7 @@
           <p:cNvPr id="2" name="Title 1">
             <a:extLst>
               <a:ext uri="{FF2B5EF4-FFF2-40B4-BE49-F238E27FC236}">
-                <a16:creationId xmlns:a16="http://schemas.microsoft.com/office/drawing/2014/main" id="{AC43E6E9-1BA2-48A3-B275-D7317DC88D05}"/>
+                <a16:creationId xmlns:a16="http://schemas.microsoft.com/office/drawing/2014/main" id="{037C434F-78E8-49C1-AC09-0B2CABEA34BA}"/>
               </a:ext>
             </a:extLst>
           </p:cNvPr>
@@ -3924,7 +4087,7 @@
           <a:p>
             <a:r>
               <a:rPr lang="en-AU" dirty="0"/>
-              <a:t>What now?</a:t>
+              <a:t>Notes on step function</a:t>
             </a:r>
           </a:p>
         </p:txBody>
@@ -3934,7 +4097,7 @@
           <p:cNvPr id="3" name="Content Placeholder 2">
             <a:extLst>
               <a:ext uri="{FF2B5EF4-FFF2-40B4-BE49-F238E27FC236}">
-                <a16:creationId xmlns:a16="http://schemas.microsoft.com/office/drawing/2014/main" id="{AB5C5EAC-CF11-44A8-B1C2-AC024192FA96}"/>
+                <a16:creationId xmlns:a16="http://schemas.microsoft.com/office/drawing/2014/main" id="{BA271C65-D345-42D7-9DC8-587C1503FB6A}"/>
               </a:ext>
             </a:extLst>
           </p:cNvPr>
@@ -3955,7 +4118,16 @@
             </a:pPr>
             <a:r>
               <a:rPr lang="en-AU" dirty="0"/>
-              <a:t>We need to smash it into a for loop! </a:t>
+              <a:t>Obviously this is more accurate at small timesteps (delta t)!</a:t>
+            </a:r>
+          </a:p>
+          <a:p>
+            <a:pPr marL="0" indent="0">
+              <a:buNone/>
+            </a:pPr>
+            <a:r>
+              <a:rPr lang="en-AU" dirty="0"/>
+              <a:t>There are better numerical approximations of derivatives out there, I have used the simplest one. </a:t>
             </a:r>
           </a:p>
           <a:p>
@@ -3963,22 +4135,13 @@
               <a:buNone/>
             </a:pPr>
             <a:endParaRPr lang="en-AU" dirty="0"/>
-          </a:p>
-          <a:p>
-            <a:pPr marL="0" indent="0">
-              <a:buNone/>
-            </a:pPr>
-            <a:r>
-              <a:rPr lang="en-AU" dirty="0"/>
-              <a:t>After setting initial conditions, we can evaluate it.</a:t>
-            </a:r>
           </a:p>
         </p:txBody>
       </p:sp>
     </p:spTree>
     <p:extLst>
       <p:ext uri="{BB962C8B-B14F-4D97-AF65-F5344CB8AC3E}">
-        <p14:creationId xmlns:p14="http://schemas.microsoft.com/office/powerpoint/2010/main" val="2104513822"/>
+        <p14:creationId xmlns:p14="http://schemas.microsoft.com/office/powerpoint/2010/main" val="3413653316"/>
       </p:ext>
     </p:extLst>
   </p:cSld>
@@ -4010,7 +4173,7 @@
           <p:cNvPr id="2" name="Title 1">
             <a:extLst>
               <a:ext uri="{FF2B5EF4-FFF2-40B4-BE49-F238E27FC236}">
-                <a16:creationId xmlns:a16="http://schemas.microsoft.com/office/drawing/2014/main" id="{B6B7B119-8BC1-495A-9212-E71B1479BAC7}"/>
+                <a16:creationId xmlns:a16="http://schemas.microsoft.com/office/drawing/2014/main" id="{AC43E6E9-1BA2-48A3-B275-D7317DC88D05}"/>
               </a:ext>
             </a:extLst>
           </p:cNvPr>
@@ -4028,7 +4191,7 @@
           <a:p>
             <a:r>
               <a:rPr lang="en-AU" dirty="0"/>
-              <a:t>Advanced starts here</a:t>
+              <a:t>What now?</a:t>
             </a:r>
           </a:p>
         </p:txBody>
@@ -4038,7 +4201,7 @@
           <p:cNvPr id="3" name="Content Placeholder 2">
             <a:extLst>
               <a:ext uri="{FF2B5EF4-FFF2-40B4-BE49-F238E27FC236}">
-                <a16:creationId xmlns:a16="http://schemas.microsoft.com/office/drawing/2014/main" id="{9FDED226-A913-4E59-8C99-17BE6AA12586}"/>
+                <a16:creationId xmlns:a16="http://schemas.microsoft.com/office/drawing/2014/main" id="{AB5C5EAC-CF11-44A8-B1C2-AC024192FA96}"/>
               </a:ext>
             </a:extLst>
           </p:cNvPr>
@@ -4059,7 +4222,7 @@
             </a:pPr>
             <a:r>
               <a:rPr lang="en-AU" dirty="0"/>
-              <a:t>We are going to practice an implementation of the Crank-Nicholson method for solving the time dependent Schrödinger equation:</a:t>
+              <a:t>We need to smash it into a for loop! </a:t>
             </a:r>
           </a:p>
           <a:p>
@@ -4072,6 +4235,15 @@
             <a:pPr marL="0" indent="0">
               <a:buNone/>
             </a:pPr>
+            <a:r>
+              <a:rPr lang="en-AU" dirty="0"/>
+              <a:t>After setting initial conditions, we can evaluate it.</a:t>
+            </a:r>
+          </a:p>
+          <a:p>
+            <a:pPr marL="0" indent="0">
+              <a:buNone/>
+            </a:pPr>
             <a:endParaRPr lang="en-AU" dirty="0"/>
           </a:p>
           <a:p>
@@ -4080,82 +4252,15 @@
             </a:pPr>
             <a:r>
               <a:rPr lang="en-AU" dirty="0"/>
-              <a:t>For a set of boundary conditions, we’re going to numerically determine the wave function phi for a certain range (x) and across a certain time (t)</a:t>
-            </a:r>
-          </a:p>
-          <a:p>
-            <a:pPr marL="0" indent="0">
-              <a:buNone/>
-            </a:pPr>
-            <a:r>
-              <a:rPr lang="en-AU" dirty="0"/>
-              <a:t>Strategy (as per last time):</a:t>
-            </a:r>
-            <a:br>
-              <a:rPr lang="en-AU" dirty="0"/>
-            </a:br>
-            <a:r>
-              <a:rPr lang="en-AU" dirty="0"/>
-              <a:t>	1. Determine our discretisation regime</a:t>
-            </a:r>
-            <a:br>
-              <a:rPr lang="en-AU" dirty="0"/>
-            </a:br>
-            <a:r>
-              <a:rPr lang="en-AU" dirty="0"/>
-              <a:t>	2. Determine how to ‘step’ across our regime</a:t>
-            </a:r>
-            <a:br>
-              <a:rPr lang="en-AU" dirty="0"/>
-            </a:br>
-            <a:r>
-              <a:rPr lang="en-AU" dirty="0"/>
-              <a:t>	3. Set up function(s) that will ‘step’ as we wish</a:t>
-            </a:r>
-            <a:br>
-              <a:rPr lang="en-AU" dirty="0"/>
-            </a:br>
-            <a:r>
-              <a:rPr lang="en-AU" dirty="0"/>
-              <a:t>	4. Put functions in loops, iterate and solve</a:t>
-            </a:r>
-          </a:p>
-        </p:txBody>
-      </p:sp>
-      <p:pic>
-        <p:nvPicPr>
-          <p:cNvPr id="5" name="Picture 4">
-            <a:extLst>
-              <a:ext uri="{FF2B5EF4-FFF2-40B4-BE49-F238E27FC236}">
-                <a16:creationId xmlns:a16="http://schemas.microsoft.com/office/drawing/2014/main" id="{2E9A45B5-2934-4D40-BC7D-A4CECCF564B7}"/>
-              </a:ext>
-            </a:extLst>
-          </p:cNvPr>
-          <p:cNvPicPr>
-            <a:picLocks noChangeAspect="1"/>
-          </p:cNvPicPr>
-          <p:nvPr/>
-        </p:nvPicPr>
-        <p:blipFill>
-          <a:blip r:embed="rId2"/>
-          <a:stretch>
-            <a:fillRect/>
-          </a:stretch>
-        </p:blipFill>
-        <p:spPr>
-          <a:xfrm>
-            <a:off x="4214791" y="2492896"/>
-            <a:ext cx="4389487" cy="1008112"/>
-          </a:xfrm>
-          <a:prstGeom prst="rect">
-            <a:avLst/>
-          </a:prstGeom>
-        </p:spPr>
-      </p:pic>
+              <a:t>You should be able to do this one if you are able to do the beginner tutorial.</a:t>
+            </a:r>
+          </a:p>
+        </p:txBody>
+      </p:sp>
     </p:spTree>
     <p:extLst>
       <p:ext uri="{BB962C8B-B14F-4D97-AF65-F5344CB8AC3E}">
-        <p14:creationId xmlns:p14="http://schemas.microsoft.com/office/powerpoint/2010/main" val="2331802482"/>
+        <p14:creationId xmlns:p14="http://schemas.microsoft.com/office/powerpoint/2010/main" val="2104513822"/>
       </p:ext>
     </p:extLst>
   </p:cSld>
@@ -4187,7 +4292,7 @@
           <p:cNvPr id="2" name="Title 1">
             <a:extLst>
               <a:ext uri="{FF2B5EF4-FFF2-40B4-BE49-F238E27FC236}">
-                <a16:creationId xmlns:a16="http://schemas.microsoft.com/office/drawing/2014/main" id="{6F1FFC7E-750B-44F3-8D70-BD9D60E97676}"/>
+                <a16:creationId xmlns:a16="http://schemas.microsoft.com/office/drawing/2014/main" id="{F8227E60-1C14-4EFA-BCC0-3CAC397ED94A}"/>
               </a:ext>
             </a:extLst>
           </p:cNvPr>
@@ -4200,14 +4305,12 @@
         </p:nvSpPr>
         <p:spPr/>
         <p:txBody>
-          <a:bodyPr>
-            <a:normAutofit fontScale="90000"/>
-          </a:bodyPr>
+          <a:bodyPr/>
           <a:lstStyle/>
           <a:p>
             <a:r>
               <a:rPr lang="en-AU" dirty="0"/>
-              <a:t>Discretisation: Turning a continuous problem into a series of discrete ones</a:t>
+              <a:t>Intermediate Task</a:t>
             </a:r>
           </a:p>
         </p:txBody>
@@ -4217,7 +4320,7 @@
           <p:cNvPr id="3" name="Content Placeholder 2">
             <a:extLst>
               <a:ext uri="{FF2B5EF4-FFF2-40B4-BE49-F238E27FC236}">
-                <a16:creationId xmlns:a16="http://schemas.microsoft.com/office/drawing/2014/main" id="{A5BAA3A8-A555-48DE-9240-B83F79D0A47B}"/>
+                <a16:creationId xmlns:a16="http://schemas.microsoft.com/office/drawing/2014/main" id="{6E536985-DF84-4EC7-B8F6-121EC26EFC6A}"/>
               </a:ext>
             </a:extLst>
           </p:cNvPr>
@@ -4238,173 +4341,1194 @@
             </a:pPr>
             <a:r>
               <a:rPr lang="en-AU" dirty="0"/>
-              <a:t>Questions to ask: </a:t>
-            </a:r>
-            <a:br>
-              <a:rPr lang="en-AU" dirty="0"/>
-            </a:br>
-            <a:r>
-              <a:rPr lang="en-AU" dirty="0"/>
-              <a:t>	1. What variables exist?</a:t>
-            </a:r>
-            <a:br>
-              <a:rPr lang="en-AU" dirty="0"/>
-            </a:br>
-            <a:r>
-              <a:rPr lang="en-AU" dirty="0"/>
-              <a:t>	2. How finely</a:t>
-            </a:r>
-          </a:p>
-        </p:txBody>
-      </p:sp>
-      <p:cxnSp>
-        <p:nvCxnSpPr>
-          <p:cNvPr id="5" name="Straight Connector 4">
+              <a:t>Numerically determine the result of any ODE: pick one and post it to the group discord if you want!</a:t>
+            </a:r>
+          </a:p>
+          <a:p>
+            <a:pPr marL="0" indent="0">
+              <a:buNone/>
+            </a:pPr>
+            <a:endParaRPr lang="en-AU" dirty="0"/>
+          </a:p>
+        </p:txBody>
+      </p:sp>
+    </p:spTree>
+    <p:extLst>
+      <p:ext uri="{BB962C8B-B14F-4D97-AF65-F5344CB8AC3E}">
+        <p14:creationId xmlns:p14="http://schemas.microsoft.com/office/powerpoint/2010/main" val="598011897"/>
+      </p:ext>
+    </p:extLst>
+  </p:cSld>
+  <p:clrMapOvr>
+    <a:masterClrMapping/>
+  </p:clrMapOvr>
+</p:sld>
+</file>
+
+<file path=ppt/slides/slide14.xml><?xml version="1.0" encoding="utf-8"?>
+<p:sld xmlns:a="http://schemas.openxmlformats.org/drawingml/2006/main" xmlns:r="http://schemas.openxmlformats.org/officeDocument/2006/relationships" xmlns:p="http://schemas.openxmlformats.org/presentationml/2006/main">
+  <p:cSld>
+    <p:spTree>
+      <p:nvGrpSpPr>
+        <p:cNvPr id="1" name=""/>
+        <p:cNvGrpSpPr/>
+        <p:nvPr/>
+      </p:nvGrpSpPr>
+      <p:grpSpPr>
+        <a:xfrm>
+          <a:off x="0" y="0"/>
+          <a:ext cx="0" cy="0"/>
+          <a:chOff x="0" y="0"/>
+          <a:chExt cx="0" cy="0"/>
+        </a:xfrm>
+      </p:grpSpPr>
+      <p:sp>
+        <p:nvSpPr>
+          <p:cNvPr id="2" name="Title 1">
             <a:extLst>
               <a:ext uri="{FF2B5EF4-FFF2-40B4-BE49-F238E27FC236}">
-                <a16:creationId xmlns:a16="http://schemas.microsoft.com/office/drawing/2014/main" id="{9EAF2251-CB29-4DE4-B508-0B394DCFD28C}"/>
+                <a16:creationId xmlns:a16="http://schemas.microsoft.com/office/drawing/2014/main" id="{4C265999-8E46-4340-B310-C11DCA759478}"/>
               </a:ext>
             </a:extLst>
           </p:cNvPr>
-          <p:cNvCxnSpPr/>
+          <p:cNvSpPr>
+            <a:spLocks noGrp="1"/>
+          </p:cNvSpPr>
+          <p:nvPr>
+            <p:ph type="title"/>
+          </p:nvPr>
+        </p:nvSpPr>
+        <p:spPr/>
+        <p:txBody>
+          <a:bodyPr/>
+          <a:lstStyle/>
+          <a:p>
+            <a:r>
+              <a:rPr lang="en-AU" dirty="0"/>
+              <a:t>Advanced Tutorial</a:t>
+            </a:r>
+          </a:p>
+        </p:txBody>
+      </p:sp>
+      <p:sp>
+        <p:nvSpPr>
+          <p:cNvPr id="3" name="Content Placeholder 2">
+            <a:extLst>
+              <a:ext uri="{FF2B5EF4-FFF2-40B4-BE49-F238E27FC236}">
+                <a16:creationId xmlns:a16="http://schemas.microsoft.com/office/drawing/2014/main" id="{AB399675-5CF8-48CC-A738-616C1907D32D}"/>
+              </a:ext>
+            </a:extLst>
+          </p:cNvPr>
+          <p:cNvSpPr>
+            <a:spLocks noGrp="1"/>
+          </p:cNvSpPr>
+          <p:nvPr>
+            <p:ph idx="1"/>
+          </p:nvPr>
+        </p:nvSpPr>
+        <p:spPr/>
+        <p:txBody>
+          <a:bodyPr/>
+          <a:lstStyle/>
+          <a:p>
+            <a:pPr marL="0" indent="0">
+              <a:buNone/>
+            </a:pPr>
+            <a:r>
+              <a:rPr lang="en-AU" dirty="0"/>
+              <a:t>Sometimes, a DE can’t be solved by simply iterating one thing after another.</a:t>
+            </a:r>
+          </a:p>
+          <a:p>
+            <a:pPr marL="0" indent="0">
+              <a:buNone/>
+            </a:pPr>
+            <a:endParaRPr lang="en-AU" dirty="0"/>
+          </a:p>
+          <a:p>
+            <a:pPr marL="0" indent="0">
+              <a:buNone/>
+            </a:pPr>
+            <a:r>
+              <a:rPr lang="en-AU" dirty="0"/>
+              <a:t>An example of this is the Poisson equation:</a:t>
+            </a:r>
+          </a:p>
+          <a:p>
+            <a:pPr marL="0" indent="0">
+              <a:buNone/>
+            </a:pPr>
+            <a:endParaRPr lang="en-AU" dirty="0"/>
+          </a:p>
+          <a:p>
+            <a:pPr marL="0" indent="0">
+              <a:buNone/>
+            </a:pPr>
+            <a:r>
+              <a:rPr lang="en-AU" dirty="0"/>
+              <a:t>Which has a 2-D stepping function:</a:t>
+            </a:r>
+          </a:p>
+          <a:p>
+            <a:pPr marL="0" indent="0">
+              <a:buNone/>
+            </a:pPr>
+            <a:endParaRPr lang="en-AU" dirty="0"/>
+          </a:p>
+          <a:p>
+            <a:pPr marL="0" indent="0">
+              <a:buNone/>
+            </a:pPr>
+            <a:endParaRPr lang="en-AU" dirty="0"/>
+          </a:p>
+          <a:p>
+            <a:pPr marL="0" indent="0">
+              <a:buNone/>
+            </a:pPr>
+            <a:r>
+              <a:rPr lang="en-AU" dirty="0"/>
+              <a:t>(See week 5 lecture notes for how this sort of stepping function is derived)</a:t>
+            </a:r>
+          </a:p>
+        </p:txBody>
+      </p:sp>
+      <p:pic>
+        <p:nvPicPr>
+          <p:cNvPr id="5" name="Picture 4">
+            <a:extLst>
+              <a:ext uri="{FF2B5EF4-FFF2-40B4-BE49-F238E27FC236}">
+                <a16:creationId xmlns:a16="http://schemas.microsoft.com/office/drawing/2014/main" id="{32EE7325-3A24-43E9-A99E-7030EC2EC2F1}"/>
+              </a:ext>
+            </a:extLst>
+          </p:cNvPr>
+          <p:cNvPicPr>
+            <a:picLocks noChangeAspect="1"/>
+          </p:cNvPicPr>
           <p:nvPr/>
-        </p:nvCxnSpPr>
+        </p:nvPicPr>
+        <p:blipFill>
+          <a:blip r:embed="rId2"/>
+          <a:stretch>
+            <a:fillRect/>
+          </a:stretch>
+        </p:blipFill>
         <p:spPr>
           <a:xfrm>
-            <a:off x="1919536" y="5661248"/>
-            <a:ext cx="3816424" cy="0"/>
+            <a:off x="7536160" y="2564904"/>
+            <a:ext cx="1944216" cy="964630"/>
           </a:xfrm>
-          <a:prstGeom prst="line">
+          <a:prstGeom prst="rect">
             <a:avLst/>
           </a:prstGeom>
-          <a:ln w="57150"/>
+        </p:spPr>
+      </p:pic>
+      <p:sp>
+        <p:nvSpPr>
+          <p:cNvPr id="6" name="AutoShape 2">
+            <a:extLst>
+              <a:ext uri="{FF2B5EF4-FFF2-40B4-BE49-F238E27FC236}">
+                <a16:creationId xmlns:a16="http://schemas.microsoft.com/office/drawing/2014/main" id="{B4663A72-1139-4D15-B921-860D87AA1A97}"/>
+              </a:ext>
+            </a:extLst>
+          </p:cNvPr>
+          <p:cNvSpPr>
+            <a:spLocks noChangeAspect="1" noChangeArrowheads="1"/>
+          </p:cNvSpPr>
+          <p:nvPr/>
+        </p:nvSpPr>
+        <p:spPr bwMode="auto">
+          <a:xfrm>
+            <a:off x="5943600" y="3276600"/>
+            <a:ext cx="304800" cy="304800"/>
+          </a:xfrm>
+          <a:prstGeom prst="rect">
+            <a:avLst/>
+          </a:prstGeom>
+          <a:noFill/>
+          <a:extLst>
+            <a:ext uri="{909E8E84-426E-40DD-AFC4-6F175D3DCCD1}">
+              <a14:hiddenFill xmlns:a14="http://schemas.microsoft.com/office/drawing/2010/main">
+                <a:solidFill>
+                  <a:srgbClr val="FFFFFF"/>
+                </a:solidFill>
+              </a14:hiddenFill>
+            </a:ext>
+          </a:extLst>
+        </p:spPr>
+        <p:txBody>
+          <a:bodyPr vert="horz" wrap="square" lIns="91440" tIns="45720" rIns="91440" bIns="45720" numCol="1" anchor="t" anchorCtr="0" compatLnSpc="1">
+            <a:prstTxWarp prst="textNoShape">
+              <a:avLst/>
+            </a:prstTxWarp>
+          </a:bodyPr>
+          <a:lstStyle/>
+          <a:p>
+            <a:endParaRPr lang="en-AU"/>
+          </a:p>
+        </p:txBody>
+      </p:sp>
+      <p:sp>
+        <p:nvSpPr>
+          <p:cNvPr id="7" name="AutoShape 4">
+            <a:extLst>
+              <a:ext uri="{FF2B5EF4-FFF2-40B4-BE49-F238E27FC236}">
+                <a16:creationId xmlns:a16="http://schemas.microsoft.com/office/drawing/2014/main" id="{1D90F9DB-ECC3-49CA-8C27-8099FC33AE24}"/>
+              </a:ext>
+            </a:extLst>
+          </p:cNvPr>
+          <p:cNvSpPr>
+            <a:spLocks noChangeAspect="1" noChangeArrowheads="1"/>
+          </p:cNvSpPr>
+          <p:nvPr/>
+        </p:nvSpPr>
+        <p:spPr bwMode="auto">
+          <a:xfrm>
+            <a:off x="6096000" y="3429000"/>
+            <a:ext cx="304800" cy="304800"/>
+          </a:xfrm>
+          <a:prstGeom prst="rect">
+            <a:avLst/>
+          </a:prstGeom>
+          <a:noFill/>
+          <a:extLst>
+            <a:ext uri="{909E8E84-426E-40DD-AFC4-6F175D3DCCD1}">
+              <a14:hiddenFill xmlns:a14="http://schemas.microsoft.com/office/drawing/2010/main">
+                <a:solidFill>
+                  <a:srgbClr val="FFFFFF"/>
+                </a:solidFill>
+              </a14:hiddenFill>
+            </a:ext>
+          </a:extLst>
+        </p:spPr>
+        <p:txBody>
+          <a:bodyPr vert="horz" wrap="square" lIns="91440" tIns="45720" rIns="91440" bIns="45720" numCol="1" anchor="t" anchorCtr="0" compatLnSpc="1">
+            <a:prstTxWarp prst="textNoShape">
+              <a:avLst/>
+            </a:prstTxWarp>
+          </a:bodyPr>
+          <a:lstStyle/>
+          <a:p>
+            <a:endParaRPr lang="en-AU"/>
+          </a:p>
+        </p:txBody>
+      </p:sp>
+      <p:pic>
+        <p:nvPicPr>
+          <p:cNvPr id="8" name="Picture 7">
+            <a:extLst>
+              <a:ext uri="{FF2B5EF4-FFF2-40B4-BE49-F238E27FC236}">
+                <a16:creationId xmlns:a16="http://schemas.microsoft.com/office/drawing/2014/main" id="{7B194C31-798F-48E1-9CC6-AA08B7AAA54E}"/>
+              </a:ext>
+            </a:extLst>
+          </p:cNvPr>
+          <p:cNvPicPr>
+            <a:picLocks noChangeAspect="1"/>
+          </p:cNvPicPr>
+          <p:nvPr/>
+        </p:nvPicPr>
+        <p:blipFill>
+          <a:blip r:embed="rId3"/>
+          <a:stretch>
+            <a:fillRect/>
+          </a:stretch>
+        </p:blipFill>
+        <p:spPr>
+          <a:xfrm>
+            <a:off x="1147762" y="4331754"/>
+            <a:ext cx="9591675" cy="962025"/>
+          </a:xfrm>
+          <a:prstGeom prst="rect">
+            <a:avLst/>
+          </a:prstGeom>
+        </p:spPr>
+      </p:pic>
+    </p:spTree>
+    <p:extLst>
+      <p:ext uri="{BB962C8B-B14F-4D97-AF65-F5344CB8AC3E}">
+        <p14:creationId xmlns:p14="http://schemas.microsoft.com/office/powerpoint/2010/main" val="1181331798"/>
+      </p:ext>
+    </p:extLst>
+  </p:cSld>
+  <p:clrMapOvr>
+    <a:masterClrMapping/>
+  </p:clrMapOvr>
+</p:sld>
+</file>
+
+<file path=ppt/slides/slide15.xml><?xml version="1.0" encoding="utf-8"?>
+<p:sld xmlns:a="http://schemas.openxmlformats.org/drawingml/2006/main" xmlns:r="http://schemas.openxmlformats.org/officeDocument/2006/relationships" xmlns:p="http://schemas.openxmlformats.org/presentationml/2006/main">
+  <p:cSld>
+    <p:spTree>
+      <p:nvGrpSpPr>
+        <p:cNvPr id="1" name=""/>
+        <p:cNvGrpSpPr/>
+        <p:nvPr/>
+      </p:nvGrpSpPr>
+      <p:grpSpPr>
+        <a:xfrm>
+          <a:off x="0" y="0"/>
+          <a:ext cx="0" cy="0"/>
+          <a:chOff x="0" y="0"/>
+          <a:chExt cx="0" cy="0"/>
+        </a:xfrm>
+      </p:grpSpPr>
+      <p:sp>
+        <p:nvSpPr>
+          <p:cNvPr id="2" name="Title 1">
+            <a:extLst>
+              <a:ext uri="{FF2B5EF4-FFF2-40B4-BE49-F238E27FC236}">
+                <a16:creationId xmlns:a16="http://schemas.microsoft.com/office/drawing/2014/main" id="{B0DD50CB-B2F0-4A0F-8E9E-956EEA5AFCFC}"/>
+              </a:ext>
+            </a:extLst>
+          </p:cNvPr>
+          <p:cNvSpPr>
+            <a:spLocks noGrp="1"/>
+          </p:cNvSpPr>
+          <p:nvPr>
+            <p:ph type="title"/>
+          </p:nvPr>
+        </p:nvSpPr>
+        <p:spPr/>
+        <p:txBody>
+          <a:bodyPr/>
+          <a:lstStyle/>
+          <a:p>
+            <a:r>
+              <a:rPr lang="en-AU" dirty="0"/>
+              <a:t>The Tri-Linear Matrix (in 1D)</a:t>
+            </a:r>
+          </a:p>
+        </p:txBody>
+      </p:sp>
+      <p:sp>
+        <p:nvSpPr>
+          <p:cNvPr id="3" name="Content Placeholder 2">
+            <a:extLst>
+              <a:ext uri="{FF2B5EF4-FFF2-40B4-BE49-F238E27FC236}">
+                <a16:creationId xmlns:a16="http://schemas.microsoft.com/office/drawing/2014/main" id="{73563A89-DF1A-4864-A979-EB8B311CA718}"/>
+              </a:ext>
+            </a:extLst>
+          </p:cNvPr>
+          <p:cNvSpPr>
+            <a:spLocks noGrp="1"/>
+          </p:cNvSpPr>
+          <p:nvPr>
+            <p:ph idx="1"/>
+          </p:nvPr>
+        </p:nvSpPr>
+        <p:spPr/>
+        <p:txBody>
+          <a:bodyPr/>
+          <a:lstStyle/>
+          <a:p>
+            <a:pPr marL="0" indent="0">
+              <a:buNone/>
+            </a:pPr>
+            <a:r>
+              <a:rPr lang="en-AU" dirty="0"/>
+              <a:t>If you arrange the stepping function into a series of equations, you’ll yield a matrix:</a:t>
+            </a:r>
+          </a:p>
+          <a:p>
+            <a:pPr marL="0" indent="0">
+              <a:buNone/>
+            </a:pPr>
+            <a:endParaRPr lang="en-AU" dirty="0"/>
+          </a:p>
+          <a:p>
+            <a:pPr marL="0" indent="0">
+              <a:buNone/>
+            </a:pPr>
+            <a:endParaRPr lang="en-AU" dirty="0"/>
+          </a:p>
+          <a:p>
+            <a:pPr marL="0" indent="0">
+              <a:buNone/>
+            </a:pPr>
+            <a:endParaRPr lang="en-AU" dirty="0"/>
+          </a:p>
+          <a:p>
+            <a:pPr marL="0" indent="0">
+              <a:buNone/>
+            </a:pPr>
+            <a:endParaRPr lang="en-AU" dirty="0"/>
+          </a:p>
+          <a:p>
+            <a:pPr marL="0" indent="0">
+              <a:buNone/>
+            </a:pPr>
+            <a:endParaRPr lang="en-AU" dirty="0"/>
+          </a:p>
+          <a:p>
+            <a:pPr marL="0" indent="0">
+              <a:buNone/>
+            </a:pPr>
+            <a:endParaRPr lang="en-AU" dirty="0"/>
+          </a:p>
+          <a:p>
+            <a:pPr marL="0" indent="0">
+              <a:buNone/>
+            </a:pPr>
+            <a:r>
+              <a:rPr lang="en-AU" dirty="0"/>
+              <a:t>(Again, refer to week 5 lectures; these are just screenshots!)</a:t>
+            </a:r>
+          </a:p>
+          <a:p>
+            <a:pPr marL="0" indent="0">
+              <a:buNone/>
+            </a:pPr>
+            <a:endParaRPr lang="en-AU" dirty="0"/>
+          </a:p>
+        </p:txBody>
+      </p:sp>
+      <p:pic>
+        <p:nvPicPr>
+          <p:cNvPr id="4" name="Picture 3">
+            <a:extLst>
+              <a:ext uri="{FF2B5EF4-FFF2-40B4-BE49-F238E27FC236}">
+                <a16:creationId xmlns:a16="http://schemas.microsoft.com/office/drawing/2014/main" id="{FD7FEEC3-5D27-4A85-BE56-957A2B07C7E2}"/>
+              </a:ext>
+            </a:extLst>
+          </p:cNvPr>
+          <p:cNvPicPr>
+            <a:picLocks noChangeAspect="1"/>
+          </p:cNvPicPr>
+          <p:nvPr/>
+        </p:nvPicPr>
+        <p:blipFill>
+          <a:blip r:embed="rId2"/>
+          <a:stretch>
+            <a:fillRect/>
+          </a:stretch>
+        </p:blipFill>
+        <p:spPr>
+          <a:xfrm>
+            <a:off x="1002937" y="2420888"/>
+            <a:ext cx="4194376" cy="2448694"/>
+          </a:xfrm>
+          <a:prstGeom prst="rect">
+            <a:avLst/>
+          </a:prstGeom>
+        </p:spPr>
+      </p:pic>
+      <p:pic>
+        <p:nvPicPr>
+          <p:cNvPr id="5" name="Picture 4">
+            <a:extLst>
+              <a:ext uri="{FF2B5EF4-FFF2-40B4-BE49-F238E27FC236}">
+                <a16:creationId xmlns:a16="http://schemas.microsoft.com/office/drawing/2014/main" id="{88A6450B-42EA-49B7-B4C4-6D9594A018F3}"/>
+              </a:ext>
+            </a:extLst>
+          </p:cNvPr>
+          <p:cNvPicPr>
+            <a:picLocks noChangeAspect="1"/>
+          </p:cNvPicPr>
+          <p:nvPr/>
+        </p:nvPicPr>
+        <p:blipFill>
+          <a:blip r:embed="rId3"/>
+          <a:stretch>
+            <a:fillRect/>
+          </a:stretch>
+        </p:blipFill>
+        <p:spPr>
+          <a:xfrm>
+            <a:off x="6816080" y="3034862"/>
+            <a:ext cx="4656214" cy="1453718"/>
+          </a:xfrm>
+          <a:prstGeom prst="rect">
+            <a:avLst/>
+          </a:prstGeom>
+        </p:spPr>
+      </p:pic>
+      <p:sp>
+        <p:nvSpPr>
+          <p:cNvPr id="6" name="Arrow: Right 5">
+            <a:extLst>
+              <a:ext uri="{FF2B5EF4-FFF2-40B4-BE49-F238E27FC236}">
+                <a16:creationId xmlns:a16="http://schemas.microsoft.com/office/drawing/2014/main" id="{04CCF017-FA65-464E-B8B1-C3C4BF0727EA}"/>
+              </a:ext>
+            </a:extLst>
+          </p:cNvPr>
+          <p:cNvSpPr/>
+          <p:nvPr/>
+        </p:nvSpPr>
+        <p:spPr>
+          <a:xfrm>
+            <a:off x="5591944" y="3212976"/>
+            <a:ext cx="792088" cy="864096"/>
+          </a:xfrm>
+          <a:prstGeom prst="rightArrow">
+            <a:avLst/>
+          </a:prstGeom>
         </p:spPr>
         <p:style>
-          <a:lnRef idx="1">
-            <a:schemeClr val="accent1"/>
+          <a:lnRef idx="2">
+            <a:schemeClr val="accent1">
+              <a:shade val="50000"/>
+            </a:schemeClr>
           </a:lnRef>
-          <a:fillRef idx="0">
+          <a:fillRef idx="1">
             <a:schemeClr val="accent1"/>
           </a:fillRef>
           <a:effectRef idx="0">
             <a:schemeClr val="accent1"/>
           </a:effectRef>
           <a:fontRef idx="minor">
-            <a:schemeClr val="tx1"/>
+            <a:schemeClr val="lt1"/>
           </a:fontRef>
         </p:style>
-      </p:cxnSp>
-      <p:cxnSp>
-        <p:nvCxnSpPr>
-          <p:cNvPr id="7" name="Straight Connector 6">
+        <p:txBody>
+          <a:bodyPr rtlCol="0" anchor="ctr"/>
+          <a:lstStyle/>
+          <a:p>
+            <a:pPr algn="ctr"/>
+            <a:endParaRPr lang="en-AU"/>
+          </a:p>
+        </p:txBody>
+      </p:sp>
+    </p:spTree>
+    <p:extLst>
+      <p:ext uri="{BB962C8B-B14F-4D97-AF65-F5344CB8AC3E}">
+        <p14:creationId xmlns:p14="http://schemas.microsoft.com/office/powerpoint/2010/main" val="429217426"/>
+      </p:ext>
+    </p:extLst>
+  </p:cSld>
+  <p:clrMapOvr>
+    <a:masterClrMapping/>
+  </p:clrMapOvr>
+</p:sld>
+</file>
+
+<file path=ppt/slides/slide16.xml><?xml version="1.0" encoding="utf-8"?>
+<p:sld xmlns:a="http://schemas.openxmlformats.org/drawingml/2006/main" xmlns:r="http://schemas.openxmlformats.org/officeDocument/2006/relationships" xmlns:p="http://schemas.openxmlformats.org/presentationml/2006/main">
+  <p:cSld>
+    <p:spTree>
+      <p:nvGrpSpPr>
+        <p:cNvPr id="1" name=""/>
+        <p:cNvGrpSpPr/>
+        <p:nvPr/>
+      </p:nvGrpSpPr>
+      <p:grpSpPr>
+        <a:xfrm>
+          <a:off x="0" y="0"/>
+          <a:ext cx="0" cy="0"/>
+          <a:chOff x="0" y="0"/>
+          <a:chExt cx="0" cy="0"/>
+        </a:xfrm>
+      </p:grpSpPr>
+      <p:sp>
+        <p:nvSpPr>
+          <p:cNvPr id="2" name="Title 1">
             <a:extLst>
               <a:ext uri="{FF2B5EF4-FFF2-40B4-BE49-F238E27FC236}">
-                <a16:creationId xmlns:a16="http://schemas.microsoft.com/office/drawing/2014/main" id="{61A81F32-A788-4B68-B905-BE9C5DB6440E}"/>
+                <a16:creationId xmlns:a16="http://schemas.microsoft.com/office/drawing/2014/main" id="{CB58F1D7-923E-4C7D-A040-FE98D62B9B5D}"/>
               </a:ext>
             </a:extLst>
           </p:cNvPr>
-          <p:cNvCxnSpPr/>
-          <p:nvPr/>
-        </p:nvCxnSpPr>
-        <p:spPr>
-          <a:xfrm flipV="1">
-            <a:off x="2135560" y="3356992"/>
-            <a:ext cx="0" cy="2520280"/>
-          </a:xfrm>
-          <a:prstGeom prst="line">
-            <a:avLst/>
-          </a:prstGeom>
-          <a:ln w="57150"/>
-        </p:spPr>
-        <p:style>
-          <a:lnRef idx="1">
-            <a:schemeClr val="accent1"/>
-          </a:lnRef>
-          <a:fillRef idx="0">
-            <a:schemeClr val="accent1"/>
-          </a:fillRef>
-          <a:effectRef idx="0">
-            <a:schemeClr val="accent1"/>
-          </a:effectRef>
-          <a:fontRef idx="minor">
-            <a:schemeClr val="tx1"/>
-          </a:fontRef>
-        </p:style>
-      </p:cxnSp>
-      <p:sp>
-        <p:nvSpPr>
-          <p:cNvPr id="8" name="TextBox 7">
+          <p:cNvSpPr>
+            <a:spLocks noGrp="1"/>
+          </p:cNvSpPr>
+          <p:nvPr>
+            <p:ph type="title"/>
+          </p:nvPr>
+        </p:nvSpPr>
+        <p:spPr/>
+        <p:txBody>
+          <a:bodyPr/>
+          <a:lstStyle/>
+          <a:p>
+            <a:r>
+              <a:rPr lang="en-AU" dirty="0"/>
+              <a:t>How do we solve it?</a:t>
+            </a:r>
+          </a:p>
+        </p:txBody>
+      </p:sp>
+      <p:sp>
+        <p:nvSpPr>
+          <p:cNvPr id="3" name="Content Placeholder 2">
             <a:extLst>
               <a:ext uri="{FF2B5EF4-FFF2-40B4-BE49-F238E27FC236}">
-                <a16:creationId xmlns:a16="http://schemas.microsoft.com/office/drawing/2014/main" id="{B813A7CB-5237-4ED3-A5C3-B292BD886FB8}"/>
+                <a16:creationId xmlns:a16="http://schemas.microsoft.com/office/drawing/2014/main" id="{CA39686D-AB19-499E-AC18-80FF75D85567}"/>
               </a:ext>
             </a:extLst>
           </p:cNvPr>
-          <p:cNvSpPr txBox="1"/>
+          <p:cNvSpPr>
+            <a:spLocks noGrp="1"/>
+          </p:cNvSpPr>
+          <p:nvPr>
+            <p:ph idx="1"/>
+          </p:nvPr>
+        </p:nvSpPr>
+        <p:spPr/>
+        <p:txBody>
+          <a:bodyPr/>
+          <a:lstStyle/>
+          <a:p>
+            <a:pPr marL="0" indent="0">
+              <a:buNone/>
+            </a:pPr>
+            <a:r>
+              <a:rPr lang="en-AU" dirty="0"/>
+              <a:t>There’s a rather nice algorithm called the ‘Thomas Algorithm’ that is computationally efficient.</a:t>
+            </a:r>
+          </a:p>
+          <a:p>
+            <a:pPr marL="0" indent="0">
+              <a:buNone/>
+            </a:pPr>
+            <a:endParaRPr lang="en-AU" dirty="0"/>
+          </a:p>
+          <a:p>
+            <a:pPr marL="0" indent="0">
+              <a:buNone/>
+            </a:pPr>
+            <a:r>
+              <a:rPr lang="en-AU" dirty="0"/>
+              <a:t>However, we can simply do </a:t>
+            </a:r>
+            <a:r>
+              <a:rPr lang="en-AU" b="1" dirty="0"/>
+              <a:t>matrix inversion</a:t>
+            </a:r>
+            <a:r>
+              <a:rPr lang="en-AU" dirty="0"/>
+              <a:t> in python. </a:t>
+            </a:r>
+            <a:br>
+              <a:rPr lang="en-AU" dirty="0"/>
+            </a:br>
+            <a:r>
+              <a:rPr lang="en-AU" dirty="0"/>
+              <a:t>(note; this is </a:t>
+            </a:r>
+            <a:r>
+              <a:rPr lang="en-AU" b="1" dirty="0"/>
+              <a:t>very inefficient for large data sets!</a:t>
+            </a:r>
+            <a:r>
+              <a:rPr lang="en-AU" dirty="0"/>
+              <a:t>)</a:t>
+            </a:r>
+          </a:p>
+          <a:p>
+            <a:pPr marL="0" indent="0">
+              <a:buNone/>
+            </a:pPr>
+            <a:r>
+              <a:rPr lang="en-AU" dirty="0"/>
+              <a:t> </a:t>
+            </a:r>
+          </a:p>
+        </p:txBody>
+      </p:sp>
+    </p:spTree>
+    <p:extLst>
+      <p:ext uri="{BB962C8B-B14F-4D97-AF65-F5344CB8AC3E}">
+        <p14:creationId xmlns:p14="http://schemas.microsoft.com/office/powerpoint/2010/main" val="2766596288"/>
+      </p:ext>
+    </p:extLst>
+  </p:cSld>
+  <p:clrMapOvr>
+    <a:masterClrMapping/>
+  </p:clrMapOvr>
+</p:sld>
+</file>
+
+<file path=ppt/slides/slide17.xml><?xml version="1.0" encoding="utf-8"?>
+<p:sld xmlns:a="http://schemas.openxmlformats.org/drawingml/2006/main" xmlns:r="http://schemas.openxmlformats.org/officeDocument/2006/relationships" xmlns:p="http://schemas.openxmlformats.org/presentationml/2006/main">
+  <p:cSld>
+    <p:spTree>
+      <p:nvGrpSpPr>
+        <p:cNvPr id="1" name=""/>
+        <p:cNvGrpSpPr/>
+        <p:nvPr/>
+      </p:nvGrpSpPr>
+      <p:grpSpPr>
+        <a:xfrm>
+          <a:off x="0" y="0"/>
+          <a:ext cx="0" cy="0"/>
+          <a:chOff x="0" y="0"/>
+          <a:chExt cx="0" cy="0"/>
+        </a:xfrm>
+      </p:grpSpPr>
+      <p:sp>
+        <p:nvSpPr>
+          <p:cNvPr id="2" name="Title 1">
+            <a:extLst>
+              <a:ext uri="{FF2B5EF4-FFF2-40B4-BE49-F238E27FC236}">
+                <a16:creationId xmlns:a16="http://schemas.microsoft.com/office/drawing/2014/main" id="{7D73F6DC-6DE1-4D05-BAF7-A0DA59506AE0}"/>
+              </a:ext>
+            </a:extLst>
+          </p:cNvPr>
+          <p:cNvSpPr>
+            <a:spLocks noGrp="1"/>
+          </p:cNvSpPr>
+          <p:nvPr>
+            <p:ph type="title"/>
+          </p:nvPr>
+        </p:nvSpPr>
+        <p:spPr/>
+        <p:txBody>
+          <a:bodyPr/>
+          <a:lstStyle/>
+          <a:p>
+            <a:r>
+              <a:rPr lang="en-AU" dirty="0"/>
+              <a:t>Example – Matrix Inversion</a:t>
+            </a:r>
+          </a:p>
+        </p:txBody>
+      </p:sp>
+      <p:sp>
+        <p:nvSpPr>
+          <p:cNvPr id="3" name="Content Placeholder 2">
+            <a:extLst>
+              <a:ext uri="{FF2B5EF4-FFF2-40B4-BE49-F238E27FC236}">
+                <a16:creationId xmlns:a16="http://schemas.microsoft.com/office/drawing/2014/main" id="{EF0EE80F-5701-4691-AB22-D67B518D074C}"/>
+              </a:ext>
+            </a:extLst>
+          </p:cNvPr>
+          <p:cNvSpPr>
+            <a:spLocks noGrp="1"/>
+          </p:cNvSpPr>
+          <p:nvPr>
+            <p:ph idx="1"/>
+          </p:nvPr>
+        </p:nvSpPr>
+        <p:spPr/>
+        <p:txBody>
+          <a:bodyPr/>
+          <a:lstStyle/>
+          <a:p>
+            <a:pPr marL="0" indent="0">
+              <a:buNone/>
+            </a:pPr>
+            <a:r>
+              <a:rPr lang="en-AU" dirty="0"/>
+              <a:t>Matrix inversion is pretty easy. </a:t>
+            </a:r>
+          </a:p>
+          <a:p>
+            <a:pPr marL="0" indent="0">
+              <a:buNone/>
+            </a:pPr>
+            <a:br>
+              <a:rPr lang="en-AU" dirty="0"/>
+            </a:br>
+            <a:r>
+              <a:rPr lang="en-AU" dirty="0"/>
+              <a:t>If you have your Poisson matrix (A) and your rho-vector (B), then the voltages (V) at each point are the solution to the equation AV = B.</a:t>
+            </a:r>
+          </a:p>
+          <a:p>
+            <a:pPr marL="0" indent="0">
+              <a:buNone/>
+            </a:pPr>
+            <a:endParaRPr lang="en-AU" dirty="0"/>
+          </a:p>
+          <a:p>
+            <a:pPr marL="0" indent="0">
+              <a:buNone/>
+            </a:pPr>
+            <a:r>
+              <a:rPr lang="en-AU" dirty="0"/>
+              <a:t>This can be </a:t>
+            </a:r>
+            <a:r>
+              <a:rPr lang="en-AU" b="1" dirty="0"/>
+              <a:t>easily</a:t>
+            </a:r>
+            <a:r>
+              <a:rPr lang="en-AU" dirty="0"/>
+              <a:t> solved using </a:t>
+            </a:r>
+            <a:r>
+              <a:rPr lang="en-AU" dirty="0" err="1"/>
+              <a:t>numpy’s</a:t>
+            </a:r>
+            <a:r>
+              <a:rPr lang="en-AU" dirty="0"/>
+              <a:t> </a:t>
+            </a:r>
+            <a:r>
+              <a:rPr lang="en-AU" dirty="0" err="1"/>
+              <a:t>linalg</a:t>
+            </a:r>
+            <a:r>
+              <a:rPr lang="en-AU" dirty="0"/>
+              <a:t> solver; </a:t>
+            </a:r>
+            <a:r>
+              <a:rPr lang="en-AU" dirty="0" err="1"/>
+              <a:t>numpy.linalg.solve</a:t>
+            </a:r>
+            <a:r>
+              <a:rPr lang="en-AU" dirty="0"/>
+              <a:t>(A,B) will return V.</a:t>
+            </a:r>
+          </a:p>
+          <a:p>
+            <a:pPr marL="0" indent="0">
+              <a:buNone/>
+            </a:pPr>
+            <a:endParaRPr lang="en-AU" dirty="0"/>
+          </a:p>
+        </p:txBody>
+      </p:sp>
+    </p:spTree>
+    <p:extLst>
+      <p:ext uri="{BB962C8B-B14F-4D97-AF65-F5344CB8AC3E}">
+        <p14:creationId xmlns:p14="http://schemas.microsoft.com/office/powerpoint/2010/main" val="3369707223"/>
+      </p:ext>
+    </p:extLst>
+  </p:cSld>
+  <p:clrMapOvr>
+    <a:masterClrMapping/>
+  </p:clrMapOvr>
+</p:sld>
+</file>
+
+<file path=ppt/slides/slide18.xml><?xml version="1.0" encoding="utf-8"?>
+<p:sld xmlns:a="http://schemas.openxmlformats.org/drawingml/2006/main" xmlns:r="http://schemas.openxmlformats.org/officeDocument/2006/relationships" xmlns:p="http://schemas.openxmlformats.org/presentationml/2006/main">
+  <p:cSld>
+    <p:spTree>
+      <p:nvGrpSpPr>
+        <p:cNvPr id="1" name=""/>
+        <p:cNvGrpSpPr/>
+        <p:nvPr/>
+      </p:nvGrpSpPr>
+      <p:grpSpPr>
+        <a:xfrm>
+          <a:off x="0" y="0"/>
+          <a:ext cx="0" cy="0"/>
+          <a:chOff x="0" y="0"/>
+          <a:chExt cx="0" cy="0"/>
+        </a:xfrm>
+      </p:grpSpPr>
+      <p:sp>
+        <p:nvSpPr>
+          <p:cNvPr id="2" name="Title 1">
+            <a:extLst>
+              <a:ext uri="{FF2B5EF4-FFF2-40B4-BE49-F238E27FC236}">
+                <a16:creationId xmlns:a16="http://schemas.microsoft.com/office/drawing/2014/main" id="{288FEE24-9896-4362-929B-0A4283982F85}"/>
+              </a:ext>
+            </a:extLst>
+          </p:cNvPr>
+          <p:cNvSpPr>
+            <a:spLocks noGrp="1"/>
+          </p:cNvSpPr>
+          <p:nvPr>
+            <p:ph type="title"/>
+          </p:nvPr>
+        </p:nvSpPr>
+        <p:spPr/>
+        <p:txBody>
+          <a:bodyPr/>
+          <a:lstStyle/>
+          <a:p>
+            <a:r>
+              <a:rPr lang="en-AU" dirty="0"/>
+              <a:t>Boundary conditions – Edge Voltage</a:t>
+            </a:r>
+          </a:p>
+        </p:txBody>
+      </p:sp>
+      <p:sp>
+        <p:nvSpPr>
+          <p:cNvPr id="3" name="Content Placeholder 2">
+            <a:extLst>
+              <a:ext uri="{FF2B5EF4-FFF2-40B4-BE49-F238E27FC236}">
+                <a16:creationId xmlns:a16="http://schemas.microsoft.com/office/drawing/2014/main" id="{62A44A14-4495-426D-9691-7053C9A66D33}"/>
+              </a:ext>
+            </a:extLst>
+          </p:cNvPr>
+          <p:cNvSpPr>
+            <a:spLocks noGrp="1"/>
+          </p:cNvSpPr>
+          <p:nvPr>
+            <p:ph idx="1"/>
+          </p:nvPr>
+        </p:nvSpPr>
+        <p:spPr/>
+        <p:txBody>
+          <a:bodyPr/>
+          <a:lstStyle/>
+          <a:p>
+            <a:pPr marL="0" indent="0">
+              <a:buNone/>
+            </a:pPr>
+            <a:r>
+              <a:rPr lang="en-AU" dirty="0"/>
+              <a:t>A key thing to be able to do is to </a:t>
+            </a:r>
+            <a:r>
+              <a:rPr lang="en-AU" b="1" dirty="0"/>
+              <a:t>modify your </a:t>
+            </a:r>
+            <a:r>
+              <a:rPr lang="en-AU" b="1" dirty="0" err="1"/>
+              <a:t>poisson</a:t>
+            </a:r>
+            <a:r>
+              <a:rPr lang="en-AU" b="1" dirty="0"/>
+              <a:t> matrix to account for boundary conditions</a:t>
+            </a:r>
+            <a:r>
+              <a:rPr lang="en-AU" dirty="0"/>
+              <a:t>. </a:t>
+            </a:r>
+          </a:p>
+          <a:p>
+            <a:pPr marL="0" indent="0">
+              <a:buNone/>
+            </a:pPr>
+            <a:r>
+              <a:rPr lang="en-AU" dirty="0"/>
+              <a:t>For example, what if the edge values of voltage are constrained to be a certain value?</a:t>
+            </a:r>
+          </a:p>
+          <a:p>
+            <a:pPr marL="0" indent="0">
+              <a:buNone/>
+            </a:pPr>
+            <a:endParaRPr lang="en-AU" dirty="0"/>
+          </a:p>
+          <a:p>
+            <a:pPr marL="0" indent="0">
+              <a:buNone/>
+            </a:pPr>
+            <a:endParaRPr lang="en-AU" dirty="0"/>
+          </a:p>
+          <a:p>
+            <a:pPr marL="0" indent="0">
+              <a:buNone/>
+            </a:pPr>
+            <a:endParaRPr lang="en-AU" dirty="0"/>
+          </a:p>
+          <a:p>
+            <a:pPr marL="0" indent="0">
+              <a:buNone/>
+            </a:pPr>
+            <a:endParaRPr lang="en-AU" dirty="0"/>
+          </a:p>
+          <a:p>
+            <a:pPr marL="0" indent="0">
+              <a:buNone/>
+            </a:pPr>
+            <a:r>
+              <a:rPr lang="en-AU" dirty="0"/>
+              <a:t>This introduces two extra terms: V0 and V5 into our (four by four) matrix. Do we now have a 6x6 matrix? </a:t>
+            </a:r>
+          </a:p>
+        </p:txBody>
+      </p:sp>
+      <p:pic>
+        <p:nvPicPr>
+          <p:cNvPr id="4" name="Picture 3">
+            <a:extLst>
+              <a:ext uri="{FF2B5EF4-FFF2-40B4-BE49-F238E27FC236}">
+                <a16:creationId xmlns:a16="http://schemas.microsoft.com/office/drawing/2014/main" id="{DB432101-C583-46B8-A39D-C9E4CFF0DFD7}"/>
+              </a:ext>
+            </a:extLst>
+          </p:cNvPr>
+          <p:cNvPicPr>
+            <a:picLocks noChangeAspect="1"/>
+          </p:cNvPicPr>
           <p:nvPr/>
-        </p:nvSpPr>
+        </p:nvPicPr>
+        <p:blipFill>
+          <a:blip r:embed="rId2"/>
+          <a:stretch>
+            <a:fillRect/>
+          </a:stretch>
+        </p:blipFill>
         <p:spPr>
           <a:xfrm>
-            <a:off x="5231904" y="5705183"/>
-            <a:ext cx="301686" cy="369332"/>
+            <a:off x="1055440" y="3501008"/>
+            <a:ext cx="9533056" cy="1531601"/>
           </a:xfrm>
           <a:prstGeom prst="rect">
             <a:avLst/>
           </a:prstGeom>
-          <a:noFill/>
         </p:spPr>
-        <p:txBody>
-          <a:bodyPr wrap="none" rtlCol="0">
-            <a:spAutoFit/>
-          </a:bodyPr>
-          <a:lstStyle/>
-          <a:p>
-            <a:r>
-              <a:rPr lang="en-AU" dirty="0"/>
-              <a:t>x</a:t>
-            </a:r>
-          </a:p>
-        </p:txBody>
-      </p:sp>
-      <p:sp>
-        <p:nvSpPr>
-          <p:cNvPr id="9" name="TextBox 8">
+      </p:pic>
+    </p:spTree>
+    <p:extLst>
+      <p:ext uri="{BB962C8B-B14F-4D97-AF65-F5344CB8AC3E}">
+        <p14:creationId xmlns:p14="http://schemas.microsoft.com/office/powerpoint/2010/main" val="1318795610"/>
+      </p:ext>
+    </p:extLst>
+  </p:cSld>
+  <p:clrMapOvr>
+    <a:masterClrMapping/>
+  </p:clrMapOvr>
+</p:sld>
+</file>
+
+<file path=ppt/slides/slide19.xml><?xml version="1.0" encoding="utf-8"?>
+<p:sld xmlns:a="http://schemas.openxmlformats.org/drawingml/2006/main" xmlns:r="http://schemas.openxmlformats.org/officeDocument/2006/relationships" xmlns:p="http://schemas.openxmlformats.org/presentationml/2006/main">
+  <p:cSld>
+    <p:spTree>
+      <p:nvGrpSpPr>
+        <p:cNvPr id="1" name=""/>
+        <p:cNvGrpSpPr/>
+        <p:nvPr/>
+      </p:nvGrpSpPr>
+      <p:grpSpPr>
+        <a:xfrm>
+          <a:off x="0" y="0"/>
+          <a:ext cx="0" cy="0"/>
+          <a:chOff x="0" y="0"/>
+          <a:chExt cx="0" cy="0"/>
+        </a:xfrm>
+      </p:grpSpPr>
+      <p:sp>
+        <p:nvSpPr>
+          <p:cNvPr id="2" name="Title 1">
             <a:extLst>
               <a:ext uri="{FF2B5EF4-FFF2-40B4-BE49-F238E27FC236}">
-                <a16:creationId xmlns:a16="http://schemas.microsoft.com/office/drawing/2014/main" id="{0693E6F9-B054-41DD-8D55-42A72F3FE633}"/>
+                <a16:creationId xmlns:a16="http://schemas.microsoft.com/office/drawing/2014/main" id="{CEE2F3CC-A49C-4C9D-903C-C13E3D58D6A9}"/>
               </a:ext>
             </a:extLst>
           </p:cNvPr>
-          <p:cNvSpPr txBox="1"/>
+          <p:cNvSpPr>
+            <a:spLocks noGrp="1"/>
+          </p:cNvSpPr>
+          <p:nvPr>
+            <p:ph type="title"/>
+          </p:nvPr>
+        </p:nvSpPr>
+        <p:spPr/>
+        <p:txBody>
+          <a:bodyPr/>
+          <a:lstStyle/>
+          <a:p>
+            <a:endParaRPr lang="en-AU" dirty="0"/>
+          </a:p>
+        </p:txBody>
+      </p:sp>
+      <p:sp>
+        <p:nvSpPr>
+          <p:cNvPr id="3" name="Content Placeholder 2">
+            <a:extLst>
+              <a:ext uri="{FF2B5EF4-FFF2-40B4-BE49-F238E27FC236}">
+                <a16:creationId xmlns:a16="http://schemas.microsoft.com/office/drawing/2014/main" id="{FAF674A9-2C4B-4FE0-B45B-173FB779E036}"/>
+              </a:ext>
+            </a:extLst>
+          </p:cNvPr>
+          <p:cNvSpPr>
+            <a:spLocks noGrp="1"/>
+          </p:cNvSpPr>
+          <p:nvPr>
+            <p:ph idx="1"/>
+          </p:nvPr>
+        </p:nvSpPr>
+        <p:spPr/>
+        <p:txBody>
+          <a:bodyPr>
+            <a:normAutofit lnSpcReduction="10000"/>
+          </a:bodyPr>
+          <a:lstStyle/>
+          <a:p>
+            <a:pPr marL="0" indent="0">
+              <a:buNone/>
+            </a:pPr>
+            <a:r>
+              <a:rPr lang="en-AU" dirty="0"/>
+              <a:t>No! Because V0 and V5 only show up once apiece, we can modify their sections of the matrix only:</a:t>
+            </a:r>
+          </a:p>
+          <a:p>
+            <a:pPr marL="0" indent="0">
+              <a:buNone/>
+            </a:pPr>
+            <a:endParaRPr lang="en-AU" dirty="0"/>
+          </a:p>
+          <a:p>
+            <a:pPr marL="0" indent="0">
+              <a:buNone/>
+            </a:pPr>
+            <a:endParaRPr lang="en-AU" dirty="0"/>
+          </a:p>
+          <a:p>
+            <a:pPr marL="0" indent="0">
+              <a:buNone/>
+            </a:pPr>
+            <a:endParaRPr lang="en-AU" dirty="0"/>
+          </a:p>
+          <a:p>
+            <a:pPr marL="0" indent="0">
+              <a:buNone/>
+            </a:pPr>
+            <a:endParaRPr lang="en-AU" dirty="0"/>
+          </a:p>
+          <a:p>
+            <a:pPr marL="0" indent="0">
+              <a:buNone/>
+            </a:pPr>
+            <a:endParaRPr lang="en-AU" dirty="0"/>
+          </a:p>
+          <a:p>
+            <a:pPr marL="0" indent="0">
+              <a:buNone/>
+            </a:pPr>
+            <a:endParaRPr lang="en-AU" dirty="0"/>
+          </a:p>
+          <a:p>
+            <a:pPr marL="0" indent="0">
+              <a:buNone/>
+            </a:pPr>
+            <a:r>
+              <a:rPr lang="en-AU" dirty="0"/>
+              <a:t>So we can complete these boundary conditions by modifying the rho vector.</a:t>
+            </a:r>
+            <a:br>
+              <a:rPr lang="en-AU" dirty="0"/>
+            </a:br>
+            <a:r>
+              <a:rPr lang="en-AU" dirty="0"/>
+              <a:t>(again, derivation shown in lecture)</a:t>
+            </a:r>
+          </a:p>
+        </p:txBody>
+      </p:sp>
+      <p:pic>
+        <p:nvPicPr>
+          <p:cNvPr id="4" name="Picture 3">
+            <a:extLst>
+              <a:ext uri="{FF2B5EF4-FFF2-40B4-BE49-F238E27FC236}">
+                <a16:creationId xmlns:a16="http://schemas.microsoft.com/office/drawing/2014/main" id="{875FE320-A4FA-456F-A98A-986B8BEED902}"/>
+              </a:ext>
+            </a:extLst>
+          </p:cNvPr>
+          <p:cNvPicPr>
+            <a:picLocks noChangeAspect="1"/>
+          </p:cNvPicPr>
           <p:nvPr/>
-        </p:nvSpPr>
+        </p:nvPicPr>
+        <p:blipFill>
+          <a:blip r:embed="rId2"/>
+          <a:stretch>
+            <a:fillRect/>
+          </a:stretch>
+        </p:blipFill>
         <p:spPr>
           <a:xfrm>
-            <a:off x="1725862" y="3338047"/>
-            <a:ext cx="268022" cy="369332"/>
+            <a:off x="2279576" y="2786062"/>
+            <a:ext cx="7515225" cy="2352675"/>
           </a:xfrm>
           <a:prstGeom prst="rect">
             <a:avLst/>
           </a:prstGeom>
-          <a:noFill/>
         </p:spPr>
-        <p:txBody>
-          <a:bodyPr wrap="none" rtlCol="0">
-            <a:spAutoFit/>
-          </a:bodyPr>
-          <a:lstStyle/>
-          <a:p>
-            <a:r>
-              <a:rPr lang="en-AU" dirty="0"/>
-              <a:t>t</a:t>
-            </a:r>
-          </a:p>
-        </p:txBody>
-      </p:sp>
+      </p:pic>
     </p:spTree>
     <p:extLst>
       <p:ext uri="{BB962C8B-B14F-4D97-AF65-F5344CB8AC3E}">
-        <p14:creationId xmlns:p14="http://schemas.microsoft.com/office/powerpoint/2010/main" val="1605107301"/>
+        <p14:creationId xmlns:p14="http://schemas.microsoft.com/office/powerpoint/2010/main" val="3725590658"/>
       </p:ext>
     </p:extLst>
   </p:cSld>
@@ -4741,7 +5865,7 @@
             </a:pPr>
             <a:r>
               <a:rPr lang="en-AU" dirty="0"/>
-              <a:t>Perform an ‘advanced’ iterative computation (two or more variables)</a:t>
+              <a:t>Learn the finite-difference approximation</a:t>
             </a:r>
           </a:p>
           <a:p>
@@ -4751,7 +5875,7 @@
             </a:pPr>
             <a:r>
               <a:rPr lang="en-AU" dirty="0"/>
-              <a:t>Discuss important points of Finite Element Methods</a:t>
+              <a:t>Numerically integrate an ODE (without using ODE int!)</a:t>
             </a:r>
           </a:p>
         </p:txBody>
@@ -4770,8 +5894,8 @@
         </p:nvSpPr>
         <p:spPr>
           <a:xfrm>
-            <a:off x="1415480" y="1772816"/>
-            <a:ext cx="3672408" cy="646331"/>
+            <a:off x="2117304" y="2067882"/>
+            <a:ext cx="3672408" cy="369332"/>
           </a:xfrm>
           <a:prstGeom prst="rect">
             <a:avLst/>
@@ -4790,7 +5914,7 @@
                   <a:srgbClr val="92D050"/>
                 </a:solidFill>
               </a:rPr>
-              <a:t>Beginner Level (all that is needed for assignments)</a:t>
+              <a:t>Beginner Level</a:t>
             </a:r>
           </a:p>
         </p:txBody>
@@ -4809,8 +5933,8 @@
         </p:nvSpPr>
         <p:spPr>
           <a:xfrm>
-            <a:off x="6744072" y="1772816"/>
-            <a:ext cx="3672408" cy="646331"/>
+            <a:off x="4367808" y="4420787"/>
+            <a:ext cx="3672408" cy="369332"/>
           </a:xfrm>
           <a:prstGeom prst="rect">
             <a:avLst/>
@@ -4829,7 +5953,306 @@
                   <a:srgbClr val="92D050"/>
                 </a:solidFill>
               </a:rPr>
-              <a:t>Advanced Level (things Dr Rahman recommends / thinks are cool)</a:t>
+              <a:t>Advanced Level </a:t>
+            </a:r>
+          </a:p>
+        </p:txBody>
+      </p:sp>
+      <p:sp>
+        <p:nvSpPr>
+          <p:cNvPr id="7" name="TextBox 6">
+            <a:extLst>
+              <a:ext uri="{FF2B5EF4-FFF2-40B4-BE49-F238E27FC236}">
+                <a16:creationId xmlns:a16="http://schemas.microsoft.com/office/drawing/2014/main" id="{5E98D18C-D482-49D5-8D4F-88B1994FC63D}"/>
+              </a:ext>
+            </a:extLst>
+          </p:cNvPr>
+          <p:cNvSpPr txBox="1"/>
+          <p:nvPr/>
+        </p:nvSpPr>
+        <p:spPr>
+          <a:xfrm>
+            <a:off x="7320136" y="2052986"/>
+            <a:ext cx="3672408" cy="369332"/>
+          </a:xfrm>
+          <a:prstGeom prst="rect">
+            <a:avLst/>
+          </a:prstGeom>
+          <a:noFill/>
+        </p:spPr>
+        <p:txBody>
+          <a:bodyPr wrap="square" rtlCol="0">
+            <a:spAutoFit/>
+          </a:bodyPr>
+          <a:lstStyle/>
+          <a:p>
+            <a:r>
+              <a:rPr lang="en-AU" dirty="0">
+                <a:solidFill>
+                  <a:srgbClr val="92D050"/>
+                </a:solidFill>
+              </a:rPr>
+              <a:t>Intermediate level </a:t>
+            </a:r>
+          </a:p>
+        </p:txBody>
+      </p:sp>
+      <p:sp>
+        <p:nvSpPr>
+          <p:cNvPr id="8" name="Content Placeholder 2">
+            <a:extLst>
+              <a:ext uri="{FF2B5EF4-FFF2-40B4-BE49-F238E27FC236}">
+                <a16:creationId xmlns:a16="http://schemas.microsoft.com/office/drawing/2014/main" id="{BD21DD5D-78A7-40B8-995C-FC651DAF122A}"/>
+              </a:ext>
+            </a:extLst>
+          </p:cNvPr>
+          <p:cNvSpPr txBox="1">
+            <a:spLocks/>
+          </p:cNvSpPr>
+          <p:nvPr/>
+        </p:nvSpPr>
+        <p:spPr>
+          <a:xfrm>
+            <a:off x="3396208" y="4809862"/>
+            <a:ext cx="4355976" cy="2160240"/>
+          </a:xfrm>
+          <a:prstGeom prst="rect">
+            <a:avLst/>
+          </a:prstGeom>
+        </p:spPr>
+        <p:txBody>
+          <a:bodyPr vert="horz" lIns="91440" tIns="45720" rIns="91440" bIns="45720" rtlCol="0">
+            <a:normAutofit/>
+          </a:bodyPr>
+          <a:lstStyle>
+            <a:lvl1pPr marL="228600" indent="-228600" algn="l" defTabSz="914400" rtl="0" eaLnBrk="1" latinLnBrk="0" hangingPunct="1">
+              <a:lnSpc>
+                <a:spcPct val="90000"/>
+              </a:lnSpc>
+              <a:spcBef>
+                <a:spcPts val="1800"/>
+              </a:spcBef>
+              <a:buClr>
+                <a:schemeClr val="accent1"/>
+              </a:buClr>
+              <a:buFont typeface="Arial" pitchFamily="34" charset="0"/>
+              <a:buChar char="•"/>
+              <a:defRPr sz="2000" kern="1200">
+                <a:solidFill>
+                  <a:schemeClr val="tx1">
+                    <a:lumMod val="85000"/>
+                  </a:schemeClr>
+                </a:solidFill>
+                <a:latin typeface="+mn-lt"/>
+                <a:ea typeface="+mn-ea"/>
+                <a:cs typeface="+mn-cs"/>
+              </a:defRPr>
+            </a:lvl1pPr>
+            <a:lvl2pPr marL="594360" indent="-228600" algn="l" defTabSz="914400" rtl="0" eaLnBrk="1" latinLnBrk="0" hangingPunct="1">
+              <a:lnSpc>
+                <a:spcPct val="90000"/>
+              </a:lnSpc>
+              <a:spcBef>
+                <a:spcPts val="1000"/>
+              </a:spcBef>
+              <a:buClr>
+                <a:schemeClr val="accent1"/>
+              </a:buClr>
+              <a:buFont typeface="Arial" pitchFamily="34" charset="0"/>
+              <a:buChar char="•"/>
+              <a:defRPr sz="1800" kern="1200">
+                <a:solidFill>
+                  <a:schemeClr val="tx1">
+                    <a:lumMod val="85000"/>
+                  </a:schemeClr>
+                </a:solidFill>
+                <a:latin typeface="+mn-lt"/>
+                <a:ea typeface="+mn-ea"/>
+                <a:cs typeface="+mn-cs"/>
+              </a:defRPr>
+            </a:lvl2pPr>
+            <a:lvl3pPr marL="914400" indent="-228600" algn="l" defTabSz="914400" rtl="0" eaLnBrk="1" latinLnBrk="0" hangingPunct="1">
+              <a:lnSpc>
+                <a:spcPct val="90000"/>
+              </a:lnSpc>
+              <a:spcBef>
+                <a:spcPts val="800"/>
+              </a:spcBef>
+              <a:buClr>
+                <a:schemeClr val="accent1"/>
+              </a:buClr>
+              <a:buFont typeface="Arial" pitchFamily="34" charset="0"/>
+              <a:buChar char="•"/>
+              <a:defRPr sz="1600" kern="1200">
+                <a:solidFill>
+                  <a:schemeClr val="tx1">
+                    <a:lumMod val="85000"/>
+                  </a:schemeClr>
+                </a:solidFill>
+                <a:latin typeface="+mn-lt"/>
+                <a:ea typeface="+mn-ea"/>
+                <a:cs typeface="+mn-cs"/>
+              </a:defRPr>
+            </a:lvl3pPr>
+            <a:lvl4pPr marL="1234440" indent="-228600" algn="l" defTabSz="914400" rtl="0" eaLnBrk="1" latinLnBrk="0" hangingPunct="1">
+              <a:lnSpc>
+                <a:spcPct val="90000"/>
+              </a:lnSpc>
+              <a:spcBef>
+                <a:spcPts val="800"/>
+              </a:spcBef>
+              <a:buClr>
+                <a:schemeClr val="accent1"/>
+              </a:buClr>
+              <a:buFont typeface="Arial" pitchFamily="34" charset="0"/>
+              <a:buChar char="•"/>
+              <a:defRPr sz="1400" kern="1200">
+                <a:solidFill>
+                  <a:schemeClr val="tx1">
+                    <a:lumMod val="85000"/>
+                  </a:schemeClr>
+                </a:solidFill>
+                <a:latin typeface="+mn-lt"/>
+                <a:ea typeface="+mn-ea"/>
+                <a:cs typeface="+mn-cs"/>
+              </a:defRPr>
+            </a:lvl4pPr>
+            <a:lvl5pPr marL="1508760" indent="-228600" algn="l" defTabSz="914400" rtl="0" eaLnBrk="1" latinLnBrk="0" hangingPunct="1">
+              <a:lnSpc>
+                <a:spcPct val="90000"/>
+              </a:lnSpc>
+              <a:spcBef>
+                <a:spcPts val="800"/>
+              </a:spcBef>
+              <a:buClr>
+                <a:schemeClr val="accent1"/>
+              </a:buClr>
+              <a:buFont typeface="Arial" pitchFamily="34" charset="0"/>
+              <a:buChar char="•"/>
+              <a:defRPr sz="1400" kern="1200">
+                <a:solidFill>
+                  <a:schemeClr val="tx1">
+                    <a:lumMod val="85000"/>
+                  </a:schemeClr>
+                </a:solidFill>
+                <a:latin typeface="+mn-lt"/>
+                <a:ea typeface="+mn-ea"/>
+                <a:cs typeface="+mn-cs"/>
+              </a:defRPr>
+            </a:lvl5pPr>
+            <a:lvl6pPr marL="1783080" indent="-228600" algn="l" defTabSz="914400" rtl="0" eaLnBrk="1" latinLnBrk="0" hangingPunct="1">
+              <a:lnSpc>
+                <a:spcPct val="90000"/>
+              </a:lnSpc>
+              <a:spcBef>
+                <a:spcPts val="800"/>
+              </a:spcBef>
+              <a:buClr>
+                <a:schemeClr val="accent1"/>
+              </a:buClr>
+              <a:buFont typeface="Arial" pitchFamily="34" charset="0"/>
+              <a:buChar char="•"/>
+              <a:defRPr sz="1400" kern="1200">
+                <a:solidFill>
+                  <a:schemeClr val="tx1"/>
+                </a:solidFill>
+                <a:latin typeface="+mn-lt"/>
+                <a:ea typeface="+mn-ea"/>
+                <a:cs typeface="+mn-cs"/>
+              </a:defRPr>
+            </a:lvl6pPr>
+            <a:lvl7pPr marL="2057400" indent="-228600" algn="l" defTabSz="914400" rtl="0" eaLnBrk="1" latinLnBrk="0" hangingPunct="1">
+              <a:lnSpc>
+                <a:spcPct val="90000"/>
+              </a:lnSpc>
+              <a:spcBef>
+                <a:spcPts val="800"/>
+              </a:spcBef>
+              <a:buClr>
+                <a:schemeClr val="accent1"/>
+              </a:buClr>
+              <a:buFont typeface="Arial" pitchFamily="34" charset="0"/>
+              <a:buChar char="•"/>
+              <a:defRPr sz="1400" kern="1200">
+                <a:solidFill>
+                  <a:schemeClr val="tx1"/>
+                </a:solidFill>
+                <a:latin typeface="+mn-lt"/>
+                <a:ea typeface="+mn-ea"/>
+                <a:cs typeface="+mn-cs"/>
+              </a:defRPr>
+            </a:lvl7pPr>
+            <a:lvl8pPr marL="2331720" indent="-228600" algn="l" defTabSz="914400" rtl="0" eaLnBrk="1" latinLnBrk="0" hangingPunct="1">
+              <a:lnSpc>
+                <a:spcPct val="90000"/>
+              </a:lnSpc>
+              <a:spcBef>
+                <a:spcPts val="800"/>
+              </a:spcBef>
+              <a:buClr>
+                <a:schemeClr val="accent1"/>
+              </a:buClr>
+              <a:buFont typeface="Arial" pitchFamily="34" charset="0"/>
+              <a:buChar char="•"/>
+              <a:defRPr sz="1400" kern="1200">
+                <a:solidFill>
+                  <a:schemeClr val="tx1"/>
+                </a:solidFill>
+                <a:latin typeface="+mn-lt"/>
+                <a:ea typeface="+mn-ea"/>
+                <a:cs typeface="+mn-cs"/>
+              </a:defRPr>
+            </a:lvl8pPr>
+            <a:lvl9pPr marL="2606040" indent="-228600" algn="l" defTabSz="914400" rtl="0" eaLnBrk="1" latinLnBrk="0" hangingPunct="1">
+              <a:lnSpc>
+                <a:spcPct val="90000"/>
+              </a:lnSpc>
+              <a:spcBef>
+                <a:spcPts val="800"/>
+              </a:spcBef>
+              <a:buClr>
+                <a:schemeClr val="accent1"/>
+              </a:buClr>
+              <a:buFont typeface="Arial" pitchFamily="34" charset="0"/>
+              <a:buChar char="•"/>
+              <a:defRPr sz="1400" kern="1200">
+                <a:solidFill>
+                  <a:schemeClr val="tx1"/>
+                </a:solidFill>
+                <a:latin typeface="+mn-lt"/>
+                <a:ea typeface="+mn-ea"/>
+                <a:cs typeface="+mn-cs"/>
+              </a:defRPr>
+            </a:lvl9pPr>
+          </a:lstStyle>
+          <a:p>
+            <a:pPr marL="457200" indent="-457200">
+              <a:buFont typeface="+mj-lt"/>
+              <a:buAutoNum type="arabicPeriod"/>
+            </a:pPr>
+            <a:r>
+              <a:rPr lang="en-AU" dirty="0"/>
+              <a:t>Learn the tri-diagonal matrix formulation for DEs</a:t>
+            </a:r>
+          </a:p>
+          <a:p>
+            <a:pPr marL="457200" indent="-457200">
+              <a:buFont typeface="+mj-lt"/>
+              <a:buAutoNum type="arabicPeriod"/>
+            </a:pPr>
+            <a:r>
+              <a:rPr lang="en-AU" dirty="0"/>
+              <a:t>Solve Poisson’s equation in ID using matrices and inbuilt routines</a:t>
+            </a:r>
+          </a:p>
+          <a:p>
+            <a:pPr marL="457200" indent="-457200">
+              <a:buFont typeface="+mj-lt"/>
+              <a:buAutoNum type="arabicPeriod"/>
+            </a:pPr>
+            <a:r>
+              <a:rPr lang="en-AU" dirty="0"/>
+              <a:t>Discuss faster methods of solution</a:t>
             </a:r>
           </a:p>
         </p:txBody>
@@ -4838,6 +6261,632 @@
     <p:extLst>
       <p:ext uri="{BB962C8B-B14F-4D97-AF65-F5344CB8AC3E}">
         <p14:creationId xmlns:p14="http://schemas.microsoft.com/office/powerpoint/2010/main" val="1463789773"/>
+      </p:ext>
+    </p:extLst>
+  </p:cSld>
+  <p:clrMapOvr>
+    <a:masterClrMapping/>
+  </p:clrMapOvr>
+</p:sld>
+</file>
+
+<file path=ppt/slides/slide20.xml><?xml version="1.0" encoding="utf-8"?>
+<p:sld xmlns:a="http://schemas.openxmlformats.org/drawingml/2006/main" xmlns:r="http://schemas.openxmlformats.org/officeDocument/2006/relationships" xmlns:p="http://schemas.openxmlformats.org/presentationml/2006/main">
+  <p:cSld>
+    <p:spTree>
+      <p:nvGrpSpPr>
+        <p:cNvPr id="1" name=""/>
+        <p:cNvGrpSpPr/>
+        <p:nvPr/>
+      </p:nvGrpSpPr>
+      <p:grpSpPr>
+        <a:xfrm>
+          <a:off x="0" y="0"/>
+          <a:ext cx="0" cy="0"/>
+          <a:chOff x="0" y="0"/>
+          <a:chExt cx="0" cy="0"/>
+        </a:xfrm>
+      </p:grpSpPr>
+      <p:sp>
+        <p:nvSpPr>
+          <p:cNvPr id="2" name="Title 1">
+            <a:extLst>
+              <a:ext uri="{FF2B5EF4-FFF2-40B4-BE49-F238E27FC236}">
+                <a16:creationId xmlns:a16="http://schemas.microsoft.com/office/drawing/2014/main" id="{378E97D8-14FF-4086-AED5-FE3355950615}"/>
+              </a:ext>
+            </a:extLst>
+          </p:cNvPr>
+          <p:cNvSpPr>
+            <a:spLocks noGrp="1"/>
+          </p:cNvSpPr>
+          <p:nvPr>
+            <p:ph type="title"/>
+          </p:nvPr>
+        </p:nvSpPr>
+        <p:spPr/>
+        <p:txBody>
+          <a:bodyPr/>
+          <a:lstStyle/>
+          <a:p>
+            <a:r>
+              <a:rPr lang="en-AU" dirty="0"/>
+              <a:t>Boundary Condition: Constant Gradient</a:t>
+            </a:r>
+          </a:p>
+        </p:txBody>
+      </p:sp>
+      <p:sp>
+        <p:nvSpPr>
+          <p:cNvPr id="3" name="Content Placeholder 2">
+            <a:extLst>
+              <a:ext uri="{FF2B5EF4-FFF2-40B4-BE49-F238E27FC236}">
+                <a16:creationId xmlns:a16="http://schemas.microsoft.com/office/drawing/2014/main" id="{1A4642ED-ED23-4BBC-B059-489C82190846}"/>
+              </a:ext>
+            </a:extLst>
+          </p:cNvPr>
+          <p:cNvSpPr>
+            <a:spLocks noGrp="1"/>
+          </p:cNvSpPr>
+          <p:nvPr>
+            <p:ph idx="1"/>
+          </p:nvPr>
+        </p:nvSpPr>
+        <p:spPr/>
+        <p:txBody>
+          <a:bodyPr/>
+          <a:lstStyle/>
+          <a:p>
+            <a:pPr marL="0" indent="0">
+              <a:buNone/>
+            </a:pPr>
+            <a:r>
+              <a:rPr lang="en-AU" dirty="0"/>
+              <a:t>We can also specify the gradient at the boundaries of our simulation. </a:t>
+            </a:r>
+            <a:r>
+              <a:rPr lang="en-AU" b="1" dirty="0"/>
+              <a:t>This is equivalent to fixing the relationship between the edge values and the off-edge values. </a:t>
+            </a:r>
+          </a:p>
+          <a:p>
+            <a:pPr marL="0" indent="0">
+              <a:buNone/>
+            </a:pPr>
+            <a:endParaRPr lang="en-AU" b="1" dirty="0"/>
+          </a:p>
+          <a:p>
+            <a:pPr marL="0" indent="0">
+              <a:buNone/>
+            </a:pPr>
+            <a:endParaRPr lang="en-AU" b="1" dirty="0"/>
+          </a:p>
+          <a:p>
+            <a:pPr marL="0" indent="0">
+              <a:buNone/>
+            </a:pPr>
+            <a:endParaRPr lang="en-AU" b="1" dirty="0"/>
+          </a:p>
+          <a:p>
+            <a:pPr marL="0" indent="0">
+              <a:buNone/>
+            </a:pPr>
+            <a:endParaRPr lang="en-AU" b="1" dirty="0"/>
+          </a:p>
+          <a:p>
+            <a:pPr marL="0" indent="0">
+              <a:buNone/>
+            </a:pPr>
+            <a:r>
+              <a:rPr lang="en-AU" dirty="0"/>
+              <a:t>This changes our equations!	</a:t>
+            </a:r>
+          </a:p>
+          <a:p>
+            <a:pPr marL="0" indent="0">
+              <a:buNone/>
+            </a:pPr>
+            <a:r>
+              <a:rPr lang="en-AU" dirty="0"/>
+              <a:t>					    becomes </a:t>
+            </a:r>
+          </a:p>
+          <a:p>
+            <a:pPr marL="0" indent="0">
+              <a:buNone/>
+            </a:pPr>
+            <a:endParaRPr lang="en-AU" dirty="0"/>
+          </a:p>
+        </p:txBody>
+      </p:sp>
+      <p:pic>
+        <p:nvPicPr>
+          <p:cNvPr id="4" name="Picture 3">
+            <a:extLst>
+              <a:ext uri="{FF2B5EF4-FFF2-40B4-BE49-F238E27FC236}">
+                <a16:creationId xmlns:a16="http://schemas.microsoft.com/office/drawing/2014/main" id="{37B0E3B5-28A6-4DCE-8F9B-856AC7A061D2}"/>
+              </a:ext>
+            </a:extLst>
+          </p:cNvPr>
+          <p:cNvPicPr>
+            <a:picLocks noChangeAspect="1"/>
+          </p:cNvPicPr>
+          <p:nvPr/>
+        </p:nvPicPr>
+        <p:blipFill>
+          <a:blip r:embed="rId2"/>
+          <a:stretch>
+            <a:fillRect/>
+          </a:stretch>
+        </p:blipFill>
+        <p:spPr>
+          <a:xfrm>
+            <a:off x="1409700" y="2852936"/>
+            <a:ext cx="9372600" cy="1828800"/>
+          </a:xfrm>
+          <a:prstGeom prst="rect">
+            <a:avLst/>
+          </a:prstGeom>
+        </p:spPr>
+      </p:pic>
+      <p:pic>
+        <p:nvPicPr>
+          <p:cNvPr id="6" name="Picture 5">
+            <a:extLst>
+              <a:ext uri="{FF2B5EF4-FFF2-40B4-BE49-F238E27FC236}">
+                <a16:creationId xmlns:a16="http://schemas.microsoft.com/office/drawing/2014/main" id="{13DA324B-A094-463A-BCCA-F0E759748272}"/>
+              </a:ext>
+            </a:extLst>
+          </p:cNvPr>
+          <p:cNvPicPr>
+            <a:picLocks noChangeAspect="1"/>
+          </p:cNvPicPr>
+          <p:nvPr/>
+        </p:nvPicPr>
+        <p:blipFill>
+          <a:blip r:embed="rId3"/>
+          <a:stretch>
+            <a:fillRect/>
+          </a:stretch>
+        </p:blipFill>
+        <p:spPr>
+          <a:xfrm>
+            <a:off x="263352" y="5229622"/>
+            <a:ext cx="6057900" cy="1409700"/>
+          </a:xfrm>
+          <a:prstGeom prst="rect">
+            <a:avLst/>
+          </a:prstGeom>
+        </p:spPr>
+      </p:pic>
+      <p:pic>
+        <p:nvPicPr>
+          <p:cNvPr id="7" name="Picture 6">
+            <a:extLst>
+              <a:ext uri="{FF2B5EF4-FFF2-40B4-BE49-F238E27FC236}">
+                <a16:creationId xmlns:a16="http://schemas.microsoft.com/office/drawing/2014/main" id="{98A4DFEA-3401-4A19-A6E7-E64506359014}"/>
+              </a:ext>
+            </a:extLst>
+          </p:cNvPr>
+          <p:cNvPicPr>
+            <a:picLocks noChangeAspect="1"/>
+          </p:cNvPicPr>
+          <p:nvPr/>
+        </p:nvPicPr>
+        <p:blipFill>
+          <a:blip r:embed="rId4"/>
+          <a:stretch>
+            <a:fillRect/>
+          </a:stretch>
+        </p:blipFill>
+        <p:spPr>
+          <a:xfrm>
+            <a:off x="7824192" y="5229622"/>
+            <a:ext cx="3676650" cy="1371600"/>
+          </a:xfrm>
+          <a:prstGeom prst="rect">
+            <a:avLst/>
+          </a:prstGeom>
+        </p:spPr>
+      </p:pic>
+    </p:spTree>
+    <p:extLst>
+      <p:ext uri="{BB962C8B-B14F-4D97-AF65-F5344CB8AC3E}">
+        <p14:creationId xmlns:p14="http://schemas.microsoft.com/office/powerpoint/2010/main" val="3317435285"/>
+      </p:ext>
+    </p:extLst>
+  </p:cSld>
+  <p:clrMapOvr>
+    <a:masterClrMapping/>
+  </p:clrMapOvr>
+</p:sld>
+</file>
+
+<file path=ppt/slides/slide21.xml><?xml version="1.0" encoding="utf-8"?>
+<p:sld xmlns:a="http://schemas.openxmlformats.org/drawingml/2006/main" xmlns:r="http://schemas.openxmlformats.org/officeDocument/2006/relationships" xmlns:p="http://schemas.openxmlformats.org/presentationml/2006/main">
+  <p:cSld>
+    <p:spTree>
+      <p:nvGrpSpPr>
+        <p:cNvPr id="1" name=""/>
+        <p:cNvGrpSpPr/>
+        <p:nvPr/>
+      </p:nvGrpSpPr>
+      <p:grpSpPr>
+        <a:xfrm>
+          <a:off x="0" y="0"/>
+          <a:ext cx="0" cy="0"/>
+          <a:chOff x="0" y="0"/>
+          <a:chExt cx="0" cy="0"/>
+        </a:xfrm>
+      </p:grpSpPr>
+      <p:sp>
+        <p:nvSpPr>
+          <p:cNvPr id="2" name="Title 1">
+            <a:extLst>
+              <a:ext uri="{FF2B5EF4-FFF2-40B4-BE49-F238E27FC236}">
+                <a16:creationId xmlns:a16="http://schemas.microsoft.com/office/drawing/2014/main" id="{608A55B7-841E-4F63-8E24-713562B802A0}"/>
+              </a:ext>
+            </a:extLst>
+          </p:cNvPr>
+          <p:cNvSpPr>
+            <a:spLocks noGrp="1"/>
+          </p:cNvSpPr>
+          <p:nvPr>
+            <p:ph type="title"/>
+          </p:nvPr>
+        </p:nvSpPr>
+        <p:spPr/>
+        <p:txBody>
+          <a:bodyPr/>
+          <a:lstStyle/>
+          <a:p>
+            <a:r>
+              <a:rPr lang="en-AU" dirty="0"/>
+              <a:t>Finally, we get a matrix simplification</a:t>
+            </a:r>
+          </a:p>
+        </p:txBody>
+      </p:sp>
+      <p:pic>
+        <p:nvPicPr>
+          <p:cNvPr id="4" name="Content Placeholder 3">
+            <a:extLst>
+              <a:ext uri="{FF2B5EF4-FFF2-40B4-BE49-F238E27FC236}">
+                <a16:creationId xmlns:a16="http://schemas.microsoft.com/office/drawing/2014/main" id="{8A80CA9F-B03F-448D-BF11-9429321B0558}"/>
+              </a:ext>
+            </a:extLst>
+          </p:cNvPr>
+          <p:cNvPicPr>
+            <a:picLocks noGrp="1" noChangeAspect="1"/>
+          </p:cNvPicPr>
+          <p:nvPr>
+            <p:ph idx="1"/>
+          </p:nvPr>
+        </p:nvPicPr>
+        <p:blipFill>
+          <a:blip r:embed="rId2"/>
+          <a:stretch>
+            <a:fillRect/>
+          </a:stretch>
+        </p:blipFill>
+        <p:spPr>
+          <a:xfrm>
+            <a:off x="2919412" y="2981325"/>
+            <a:ext cx="6353175" cy="1962150"/>
+          </a:xfrm>
+          <a:prstGeom prst="rect">
+            <a:avLst/>
+          </a:prstGeom>
+        </p:spPr>
+      </p:pic>
+    </p:spTree>
+    <p:extLst>
+      <p:ext uri="{BB962C8B-B14F-4D97-AF65-F5344CB8AC3E}">
+        <p14:creationId xmlns:p14="http://schemas.microsoft.com/office/powerpoint/2010/main" val="1031220606"/>
+      </p:ext>
+    </p:extLst>
+  </p:cSld>
+  <p:clrMapOvr>
+    <a:masterClrMapping/>
+  </p:clrMapOvr>
+</p:sld>
+</file>
+
+<file path=ppt/slides/slide22.xml><?xml version="1.0" encoding="utf-8"?>
+<p:sld xmlns:a="http://schemas.openxmlformats.org/drawingml/2006/main" xmlns:r="http://schemas.openxmlformats.org/officeDocument/2006/relationships" xmlns:p="http://schemas.openxmlformats.org/presentationml/2006/main">
+  <p:cSld>
+    <p:spTree>
+      <p:nvGrpSpPr>
+        <p:cNvPr id="1" name=""/>
+        <p:cNvGrpSpPr/>
+        <p:nvPr/>
+      </p:nvGrpSpPr>
+      <p:grpSpPr>
+        <a:xfrm>
+          <a:off x="0" y="0"/>
+          <a:ext cx="0" cy="0"/>
+          <a:chOff x="0" y="0"/>
+          <a:chExt cx="0" cy="0"/>
+        </a:xfrm>
+      </p:grpSpPr>
+      <p:sp>
+        <p:nvSpPr>
+          <p:cNvPr id="2" name="Title 1">
+            <a:extLst>
+              <a:ext uri="{FF2B5EF4-FFF2-40B4-BE49-F238E27FC236}">
+                <a16:creationId xmlns:a16="http://schemas.microsoft.com/office/drawing/2014/main" id="{AAA8D96F-B972-4CC7-B5C0-78C9BF5B64EC}"/>
+              </a:ext>
+            </a:extLst>
+          </p:cNvPr>
+          <p:cNvSpPr>
+            <a:spLocks noGrp="1"/>
+          </p:cNvSpPr>
+          <p:nvPr>
+            <p:ph type="title"/>
+          </p:nvPr>
+        </p:nvSpPr>
+        <p:spPr/>
+        <p:txBody>
+          <a:bodyPr/>
+          <a:lstStyle/>
+          <a:p>
+            <a:r>
+              <a:rPr lang="en-AU" dirty="0"/>
+              <a:t>Your tasks</a:t>
+            </a:r>
+          </a:p>
+        </p:txBody>
+      </p:sp>
+      <p:sp>
+        <p:nvSpPr>
+          <p:cNvPr id="3" name="Content Placeholder 2">
+            <a:extLst>
+              <a:ext uri="{FF2B5EF4-FFF2-40B4-BE49-F238E27FC236}">
+                <a16:creationId xmlns:a16="http://schemas.microsoft.com/office/drawing/2014/main" id="{2FC58DBD-33C7-4467-9811-58B7E4A8FC4D}"/>
+              </a:ext>
+            </a:extLst>
+          </p:cNvPr>
+          <p:cNvSpPr>
+            <a:spLocks noGrp="1"/>
+          </p:cNvSpPr>
+          <p:nvPr>
+            <p:ph idx="1"/>
+          </p:nvPr>
+        </p:nvSpPr>
+        <p:spPr/>
+        <p:txBody>
+          <a:bodyPr/>
+          <a:lstStyle/>
+          <a:p>
+            <a:pPr marL="457200" indent="-457200">
+              <a:buAutoNum type="arabicPeriod"/>
+            </a:pPr>
+            <a:r>
+              <a:rPr lang="en-AU" dirty="0"/>
+              <a:t>Make your way through the advanced tutorial notebook, and ensure you understand the process of matrix solving.</a:t>
+            </a:r>
+          </a:p>
+          <a:p>
+            <a:pPr marL="457200" indent="-457200">
+              <a:buAutoNum type="arabicPeriod"/>
+            </a:pPr>
+            <a:r>
+              <a:rPr lang="en-AU" dirty="0"/>
+              <a:t>Go through lecture notes and try to understand how </a:t>
+            </a:r>
+            <a:r>
+              <a:rPr lang="en-AU"/>
+              <a:t>the </a:t>
+            </a:r>
+            <a:r>
+              <a:rPr lang="en-AU" dirty="0"/>
+              <a:t>P</a:t>
+            </a:r>
+            <a:r>
+              <a:rPr lang="en-AU"/>
+              <a:t>oisson </a:t>
+            </a:r>
+            <a:r>
+              <a:rPr lang="en-AU" dirty="0"/>
+              <a:t>matrix is derived (and ask me for help!)</a:t>
+            </a:r>
+          </a:p>
+          <a:p>
+            <a:pPr marL="457200" indent="-457200">
+              <a:buAutoNum type="arabicPeriod"/>
+            </a:pPr>
+            <a:r>
+              <a:rPr lang="en-AU" dirty="0"/>
+              <a:t>Experiment with a variety of boundary conditions; for example, what if the gradient was set such that V1 = 2V0? How would that change the Poisson matrix?</a:t>
+            </a:r>
+          </a:p>
+        </p:txBody>
+      </p:sp>
+    </p:spTree>
+    <p:extLst>
+      <p:ext uri="{BB962C8B-B14F-4D97-AF65-F5344CB8AC3E}">
+        <p14:creationId xmlns:p14="http://schemas.microsoft.com/office/powerpoint/2010/main" val="2059136391"/>
+      </p:ext>
+    </p:extLst>
+  </p:cSld>
+  <p:clrMapOvr>
+    <a:masterClrMapping/>
+  </p:clrMapOvr>
+</p:sld>
+</file>
+
+<file path=ppt/slides/slide23.xml><?xml version="1.0" encoding="utf-8"?>
+<p:sld xmlns:a="http://schemas.openxmlformats.org/drawingml/2006/main" xmlns:r="http://schemas.openxmlformats.org/officeDocument/2006/relationships" xmlns:p="http://schemas.openxmlformats.org/presentationml/2006/main">
+  <p:cSld>
+    <p:spTree>
+      <p:nvGrpSpPr>
+        <p:cNvPr id="1" name=""/>
+        <p:cNvGrpSpPr/>
+        <p:nvPr/>
+      </p:nvGrpSpPr>
+      <p:grpSpPr>
+        <a:xfrm>
+          <a:off x="0" y="0"/>
+          <a:ext cx="0" cy="0"/>
+          <a:chOff x="0" y="0"/>
+          <a:chExt cx="0" cy="0"/>
+        </a:xfrm>
+      </p:grpSpPr>
+      <p:sp>
+        <p:nvSpPr>
+          <p:cNvPr id="2" name="Title 1">
+            <a:extLst>
+              <a:ext uri="{FF2B5EF4-FFF2-40B4-BE49-F238E27FC236}">
+                <a16:creationId xmlns:a16="http://schemas.microsoft.com/office/drawing/2014/main" id="{C20D5EEE-A198-4790-B4B8-0FBA3CCC12D1}"/>
+              </a:ext>
+            </a:extLst>
+          </p:cNvPr>
+          <p:cNvSpPr>
+            <a:spLocks noGrp="1"/>
+          </p:cNvSpPr>
+          <p:nvPr>
+            <p:ph type="title"/>
+          </p:nvPr>
+        </p:nvSpPr>
+        <p:spPr/>
+        <p:txBody>
+          <a:bodyPr/>
+          <a:lstStyle/>
+          <a:p>
+            <a:r>
+              <a:rPr lang="en-AU" dirty="0"/>
+              <a:t>Extra Challenge: Making a scalable matrix</a:t>
+            </a:r>
+          </a:p>
+        </p:txBody>
+      </p:sp>
+      <p:sp>
+        <p:nvSpPr>
+          <p:cNvPr id="3" name="Content Placeholder 2">
+            <a:extLst>
+              <a:ext uri="{FF2B5EF4-FFF2-40B4-BE49-F238E27FC236}">
+                <a16:creationId xmlns:a16="http://schemas.microsoft.com/office/drawing/2014/main" id="{383491F3-FE7A-4DB0-A3FF-C9D8D73B3363}"/>
+              </a:ext>
+            </a:extLst>
+          </p:cNvPr>
+          <p:cNvSpPr>
+            <a:spLocks noGrp="1"/>
+          </p:cNvSpPr>
+          <p:nvPr>
+            <p:ph idx="1"/>
+          </p:nvPr>
+        </p:nvSpPr>
+        <p:spPr/>
+        <p:txBody>
+          <a:bodyPr>
+            <a:normAutofit lnSpcReduction="10000"/>
+          </a:bodyPr>
+          <a:lstStyle/>
+          <a:p>
+            <a:pPr marL="0" indent="0">
+              <a:buNone/>
+            </a:pPr>
+            <a:r>
+              <a:rPr lang="en-AU" dirty="0"/>
+              <a:t>The matrix for a </a:t>
+            </a:r>
+            <a:r>
+              <a:rPr lang="en-AU" dirty="0" err="1"/>
+              <a:t>poisson</a:t>
+            </a:r>
+            <a:r>
+              <a:rPr lang="en-AU" dirty="0"/>
+              <a:t> equation always follows the pattern:</a:t>
+            </a:r>
+          </a:p>
+          <a:p>
+            <a:pPr marL="0" indent="0">
+              <a:buNone/>
+            </a:pPr>
+            <a:endParaRPr lang="en-AU" dirty="0"/>
+          </a:p>
+          <a:p>
+            <a:pPr marL="0" indent="0">
+              <a:buNone/>
+            </a:pPr>
+            <a:endParaRPr lang="en-AU" dirty="0"/>
+          </a:p>
+          <a:p>
+            <a:pPr marL="0" indent="0">
+              <a:buNone/>
+            </a:pPr>
+            <a:endParaRPr lang="en-AU" dirty="0"/>
+          </a:p>
+          <a:p>
+            <a:pPr marL="0" indent="0">
+              <a:buNone/>
+            </a:pPr>
+            <a:endParaRPr lang="en-AU" dirty="0"/>
+          </a:p>
+          <a:p>
+            <a:pPr marL="0" indent="0">
+              <a:buNone/>
+            </a:pPr>
+            <a:endParaRPr lang="en-AU" dirty="0"/>
+          </a:p>
+          <a:p>
+            <a:pPr marL="0" indent="0">
+              <a:buNone/>
+            </a:pPr>
+            <a:endParaRPr lang="en-AU" dirty="0"/>
+          </a:p>
+          <a:p>
+            <a:pPr marL="0" indent="0">
+              <a:buNone/>
+            </a:pPr>
+            <a:r>
+              <a:rPr lang="en-AU" dirty="0"/>
+              <a:t>In our 1-D case, I = -1 and D = -2. So, it should be easy to make a script to generate and solve a </a:t>
+            </a:r>
+            <a:r>
+              <a:rPr lang="en-AU" dirty="0" err="1"/>
+              <a:t>poisson</a:t>
+            </a:r>
+            <a:r>
+              <a:rPr lang="en-AU" dirty="0"/>
+              <a:t> matrix of arbitrary size: give it a try and I will post solutions later!</a:t>
+            </a:r>
+          </a:p>
+        </p:txBody>
+      </p:sp>
+      <p:pic>
+        <p:nvPicPr>
+          <p:cNvPr id="4" name="Picture 3">
+            <a:extLst>
+              <a:ext uri="{FF2B5EF4-FFF2-40B4-BE49-F238E27FC236}">
+                <a16:creationId xmlns:a16="http://schemas.microsoft.com/office/drawing/2014/main" id="{2C22A216-4AA4-43D7-B82D-9EAD8BAD8CD3}"/>
+              </a:ext>
+            </a:extLst>
+          </p:cNvPr>
+          <p:cNvPicPr>
+            <a:picLocks noChangeAspect="1"/>
+          </p:cNvPicPr>
+          <p:nvPr/>
+        </p:nvPicPr>
+        <p:blipFill>
+          <a:blip r:embed="rId2"/>
+          <a:stretch>
+            <a:fillRect/>
+          </a:stretch>
+        </p:blipFill>
+        <p:spPr>
+          <a:xfrm>
+            <a:off x="4223792" y="2420888"/>
+            <a:ext cx="4752528" cy="2574548"/>
+          </a:xfrm>
+          <a:prstGeom prst="rect">
+            <a:avLst/>
+          </a:prstGeom>
+        </p:spPr>
+      </p:pic>
+    </p:spTree>
+    <p:extLst>
+      <p:ext uri="{BB962C8B-B14F-4D97-AF65-F5344CB8AC3E}">
+        <p14:creationId xmlns:p14="http://schemas.microsoft.com/office/powerpoint/2010/main" val="4093739542"/>
       </p:ext>
     </p:extLst>
   </p:cSld>
@@ -5419,6 +7468,176 @@
           <p:cNvPr id="2" name="Title 1">
             <a:extLst>
               <a:ext uri="{FF2B5EF4-FFF2-40B4-BE49-F238E27FC236}">
+                <a16:creationId xmlns:a16="http://schemas.microsoft.com/office/drawing/2014/main" id="{2F66C8BC-F392-4363-95C3-11934E25BF99}"/>
+              </a:ext>
+            </a:extLst>
+          </p:cNvPr>
+          <p:cNvSpPr>
+            <a:spLocks noGrp="1"/>
+          </p:cNvSpPr>
+          <p:nvPr>
+            <p:ph type="title"/>
+          </p:nvPr>
+        </p:nvSpPr>
+        <p:spPr/>
+        <p:txBody>
+          <a:bodyPr/>
+          <a:lstStyle/>
+          <a:p>
+            <a:r>
+              <a:rPr lang="en-AU" dirty="0"/>
+              <a:t>Beginner Tutorial Tasks:</a:t>
+            </a:r>
+          </a:p>
+        </p:txBody>
+      </p:sp>
+      <p:sp>
+        <p:nvSpPr>
+          <p:cNvPr id="3" name="Content Placeholder 2">
+            <a:extLst>
+              <a:ext uri="{FF2B5EF4-FFF2-40B4-BE49-F238E27FC236}">
+                <a16:creationId xmlns:a16="http://schemas.microsoft.com/office/drawing/2014/main" id="{744E87A2-40F9-4628-A8E7-2D92F8DE1E3E}"/>
+              </a:ext>
+            </a:extLst>
+          </p:cNvPr>
+          <p:cNvSpPr>
+            <a:spLocks noGrp="1"/>
+          </p:cNvSpPr>
+          <p:nvPr>
+            <p:ph idx="1"/>
+          </p:nvPr>
+        </p:nvSpPr>
+        <p:spPr/>
+        <p:txBody>
+          <a:bodyPr/>
+          <a:lstStyle/>
+          <a:p>
+            <a:pPr marL="0" indent="0">
+              <a:buNone/>
+            </a:pPr>
+            <a:r>
+              <a:rPr lang="en-AU" dirty="0"/>
+              <a:t>Go through the beginner notebook and understand iterative methods.</a:t>
+            </a:r>
+          </a:p>
+          <a:p>
+            <a:pPr marL="0" indent="0">
+              <a:buNone/>
+            </a:pPr>
+            <a:endParaRPr lang="en-AU" dirty="0"/>
+          </a:p>
+          <a:p>
+            <a:pPr marL="0" indent="0">
+              <a:buNone/>
+            </a:pPr>
+            <a:r>
+              <a:rPr lang="en-AU" dirty="0"/>
+              <a:t>Write your own iterative sequence to evaluate the following:</a:t>
+            </a:r>
+            <a:br>
+              <a:rPr lang="en-AU" dirty="0"/>
+            </a:br>
+            <a:r>
+              <a:rPr lang="en-AU" dirty="0"/>
+              <a:t>- The first three numbers in a sequence are 1, 3, 7. </a:t>
+            </a:r>
+            <a:br>
+              <a:rPr lang="en-AU" dirty="0"/>
+            </a:br>
+            <a:r>
+              <a:rPr lang="en-AU" dirty="0"/>
+              <a:t>- The following number is equal to the ratio of the differences of the previous three, with the most recent numbers on the numerator  </a:t>
+            </a:r>
+            <a:r>
+              <a:rPr lang="en-AU" dirty="0" err="1"/>
+              <a:t>eg</a:t>
+            </a:r>
+            <a:r>
+              <a:rPr lang="en-AU" dirty="0"/>
+              <a:t> the 4</a:t>
+            </a:r>
+            <a:r>
+              <a:rPr lang="en-AU" baseline="30000" dirty="0"/>
+              <a:t>th</a:t>
+            </a:r>
+            <a:r>
+              <a:rPr lang="en-AU" dirty="0"/>
+              <a:t> number is (7-3) /(3-1) = 2</a:t>
+            </a:r>
+            <a:br>
+              <a:rPr lang="en-AU" dirty="0"/>
+            </a:br>
+            <a:r>
+              <a:rPr lang="en-AU" dirty="0"/>
+              <a:t>- What is the 107</a:t>
+            </a:r>
+            <a:r>
+              <a:rPr lang="en-AU" baseline="30000" dirty="0"/>
+              <a:t>th</a:t>
+            </a:r>
+            <a:r>
+              <a:rPr lang="en-AU" dirty="0"/>
+              <a:t> number in the sequence?</a:t>
+            </a:r>
+            <a:br>
+              <a:rPr lang="en-AU" dirty="0"/>
+            </a:br>
+            <a:r>
+              <a:rPr lang="en-AU" dirty="0"/>
+              <a:t>- What is the </a:t>
+            </a:r>
+            <a:r>
+              <a:rPr lang="en-AU" b="1" dirty="0"/>
+              <a:t>largest number </a:t>
+            </a:r>
+            <a:r>
+              <a:rPr lang="en-AU" dirty="0"/>
+              <a:t>that occurs after 1000 iterations?</a:t>
+            </a:r>
+          </a:p>
+          <a:p>
+            <a:pPr marL="0" indent="0">
+              <a:buNone/>
+            </a:pPr>
+            <a:endParaRPr lang="en-AU" dirty="0"/>
+          </a:p>
+        </p:txBody>
+      </p:sp>
+    </p:spTree>
+    <p:extLst>
+      <p:ext uri="{BB962C8B-B14F-4D97-AF65-F5344CB8AC3E}">
+        <p14:creationId xmlns:p14="http://schemas.microsoft.com/office/powerpoint/2010/main" val="1911720879"/>
+      </p:ext>
+    </p:extLst>
+  </p:cSld>
+  <p:clrMapOvr>
+    <a:masterClrMapping/>
+  </p:clrMapOvr>
+</p:sld>
+</file>
+
+<file path=ppt/slides/slide7.xml><?xml version="1.0" encoding="utf-8"?>
+<p:sld xmlns:a="http://schemas.openxmlformats.org/drawingml/2006/main" xmlns:r="http://schemas.openxmlformats.org/officeDocument/2006/relationships" xmlns:p="http://schemas.openxmlformats.org/presentationml/2006/main">
+  <p:cSld>
+    <p:spTree>
+      <p:nvGrpSpPr>
+        <p:cNvPr id="1" name=""/>
+        <p:cNvGrpSpPr/>
+        <p:nvPr/>
+      </p:nvGrpSpPr>
+      <p:grpSpPr>
+        <a:xfrm>
+          <a:off x="0" y="0"/>
+          <a:ext cx="0" cy="0"/>
+          <a:chOff x="0" y="0"/>
+          <a:chExt cx="0" cy="0"/>
+        </a:xfrm>
+      </p:grpSpPr>
+      <p:sp>
+        <p:nvSpPr>
+          <p:cNvPr id="2" name="Title 1">
+            <a:extLst>
+              <a:ext uri="{FF2B5EF4-FFF2-40B4-BE49-F238E27FC236}">
                 <a16:creationId xmlns:a16="http://schemas.microsoft.com/office/drawing/2014/main" id="{5A9B639F-E7B4-4B37-B4AD-E142B9D73753}"/>
               </a:ext>
             </a:extLst>
@@ -5582,7 +7801,7 @@
 </p:sld>
 </file>
 
-<file path=ppt/slides/slide7.xml><?xml version="1.0" encoding="utf-8"?>
+<file path=ppt/slides/slide8.xml><?xml version="1.0" encoding="utf-8"?>
 <p:sld xmlns:a="http://schemas.openxmlformats.org/drawingml/2006/main" xmlns:r="http://schemas.openxmlformats.org/officeDocument/2006/relationships" xmlns:p="http://schemas.openxmlformats.org/presentationml/2006/main">
   <p:cSld>
     <p:spTree>
@@ -5726,7 +7945,7 @@
 </p:sld>
 </file>
 
-<file path=ppt/slides/slide8.xml><?xml version="1.0" encoding="utf-8"?>
+<file path=ppt/slides/slide9.xml><?xml version="1.0" encoding="utf-8"?>
 <p:sld xmlns:a="http://schemas.openxmlformats.org/drawingml/2006/main" xmlns:r="http://schemas.openxmlformats.org/officeDocument/2006/relationships" xmlns:p="http://schemas.openxmlformats.org/presentationml/2006/main">
   <p:cSld>
     <p:spTree>
@@ -5896,263 +8115,6 @@
     <p:extLst>
       <p:ext uri="{BB962C8B-B14F-4D97-AF65-F5344CB8AC3E}">
         <p14:creationId xmlns:p14="http://schemas.microsoft.com/office/powerpoint/2010/main" val="916118528"/>
-      </p:ext>
-    </p:extLst>
-  </p:cSld>
-  <p:clrMapOvr>
-    <a:masterClrMapping/>
-  </p:clrMapOvr>
-</p:sld>
-</file>
-
-<file path=ppt/slides/slide9.xml><?xml version="1.0" encoding="utf-8"?>
-<p:sld xmlns:a="http://schemas.openxmlformats.org/drawingml/2006/main" xmlns:r="http://schemas.openxmlformats.org/officeDocument/2006/relationships" xmlns:p="http://schemas.openxmlformats.org/presentationml/2006/main">
-  <p:cSld>
-    <p:spTree>
-      <p:nvGrpSpPr>
-        <p:cNvPr id="1" name=""/>
-        <p:cNvGrpSpPr/>
-        <p:nvPr/>
-      </p:nvGrpSpPr>
-      <p:grpSpPr>
-        <a:xfrm>
-          <a:off x="0" y="0"/>
-          <a:ext cx="0" cy="0"/>
-          <a:chOff x="0" y="0"/>
-          <a:chExt cx="0" cy="0"/>
-        </a:xfrm>
-      </p:grpSpPr>
-      <p:sp>
-        <p:nvSpPr>
-          <p:cNvPr id="2" name="Title 1">
-            <a:extLst>
-              <a:ext uri="{FF2B5EF4-FFF2-40B4-BE49-F238E27FC236}">
-                <a16:creationId xmlns:a16="http://schemas.microsoft.com/office/drawing/2014/main" id="{8F8736DF-F3C3-423B-B1C2-695F27986E61}"/>
-              </a:ext>
-            </a:extLst>
-          </p:cNvPr>
-          <p:cNvSpPr>
-            <a:spLocks noGrp="1"/>
-          </p:cNvSpPr>
-          <p:nvPr>
-            <p:ph type="title"/>
-          </p:nvPr>
-        </p:nvSpPr>
-        <p:spPr/>
-        <p:txBody>
-          <a:bodyPr/>
-          <a:lstStyle/>
-          <a:p>
-            <a:r>
-              <a:rPr lang="en-AU" dirty="0"/>
-              <a:t>Determining the step function</a:t>
-            </a:r>
-          </a:p>
-        </p:txBody>
-      </p:sp>
-      <p:sp>
-        <p:nvSpPr>
-          <p:cNvPr id="3" name="Content Placeholder 2">
-            <a:extLst>
-              <a:ext uri="{FF2B5EF4-FFF2-40B4-BE49-F238E27FC236}">
-                <a16:creationId xmlns:a16="http://schemas.microsoft.com/office/drawing/2014/main" id="{7AF4B6BA-CDA6-44A1-AB45-2BF634981CB3}"/>
-              </a:ext>
-            </a:extLst>
-          </p:cNvPr>
-          <p:cNvSpPr>
-            <a:spLocks noGrp="1"/>
-          </p:cNvSpPr>
-          <p:nvPr>
-            <p:ph idx="1"/>
-          </p:nvPr>
-        </p:nvSpPr>
-        <p:spPr/>
-        <p:txBody>
-          <a:bodyPr/>
-          <a:lstStyle/>
-          <a:p>
-            <a:pPr marL="0" indent="0">
-              <a:buNone/>
-            </a:pPr>
-            <a:endParaRPr lang="en-AU" dirty="0"/>
-          </a:p>
-          <a:p>
-            <a:pPr marL="0" indent="0">
-              <a:buNone/>
-            </a:pPr>
-            <a:endParaRPr lang="en-AU" dirty="0"/>
-          </a:p>
-          <a:p>
-            <a:pPr marL="0" indent="0">
-              <a:buNone/>
-            </a:pPr>
-            <a:r>
-              <a:rPr lang="en-AU" dirty="0"/>
-              <a:t>Let’s do a first order, finite-difference approximation of the derivative:</a:t>
-            </a:r>
-          </a:p>
-          <a:p>
-            <a:pPr marL="0" indent="0">
-              <a:buNone/>
-            </a:pPr>
-            <a:endParaRPr lang="en-AU" dirty="0"/>
-          </a:p>
-          <a:p>
-            <a:pPr marL="0" indent="0">
-              <a:buNone/>
-            </a:pPr>
-            <a:endParaRPr lang="en-AU" dirty="0"/>
-          </a:p>
-          <a:p>
-            <a:pPr marL="0" indent="0">
-              <a:buNone/>
-            </a:pPr>
-            <a:r>
-              <a:rPr lang="en-AU" dirty="0"/>
-              <a:t>Which we can then extend:</a:t>
-            </a:r>
-          </a:p>
-          <a:p>
-            <a:pPr marL="0" indent="0">
-              <a:buNone/>
-            </a:pPr>
-            <a:endParaRPr lang="en-AU" dirty="0"/>
-          </a:p>
-          <a:p>
-            <a:pPr marL="0" indent="0">
-              <a:buNone/>
-            </a:pPr>
-            <a:r>
-              <a:rPr lang="en-AU" dirty="0"/>
-              <a:t>And we get our step-function! </a:t>
-            </a:r>
-          </a:p>
-        </p:txBody>
-      </p:sp>
-      <p:pic>
-        <p:nvPicPr>
-          <p:cNvPr id="4" name="Picture 3">
-            <a:extLst>
-              <a:ext uri="{FF2B5EF4-FFF2-40B4-BE49-F238E27FC236}">
-                <a16:creationId xmlns:a16="http://schemas.microsoft.com/office/drawing/2014/main" id="{1AA36A05-ECA4-472F-AA1A-BAC234782C16}"/>
-              </a:ext>
-            </a:extLst>
-          </p:cNvPr>
-          <p:cNvPicPr>
-            <a:picLocks noChangeAspect="1"/>
-          </p:cNvPicPr>
-          <p:nvPr/>
-        </p:nvPicPr>
-        <p:blipFill>
-          <a:blip r:embed="rId2"/>
-          <a:stretch>
-            <a:fillRect/>
-          </a:stretch>
-        </p:blipFill>
-        <p:spPr>
-          <a:xfrm>
-            <a:off x="4871864" y="1620433"/>
-            <a:ext cx="1944216" cy="864096"/>
-          </a:xfrm>
-          <a:prstGeom prst="rect">
-            <a:avLst/>
-          </a:prstGeom>
-        </p:spPr>
-      </p:pic>
-      <p:pic>
-        <p:nvPicPr>
-          <p:cNvPr id="5" name="Picture 4">
-            <a:extLst>
-              <a:ext uri="{FF2B5EF4-FFF2-40B4-BE49-F238E27FC236}">
-                <a16:creationId xmlns:a16="http://schemas.microsoft.com/office/drawing/2014/main" id="{07CB1277-FCB9-4504-8432-A7B41CB1CBED}"/>
-              </a:ext>
-            </a:extLst>
-          </p:cNvPr>
-          <p:cNvPicPr>
-            <a:picLocks noChangeAspect="1"/>
-          </p:cNvPicPr>
-          <p:nvPr/>
-        </p:nvPicPr>
-        <p:blipFill>
-          <a:blip r:embed="rId3"/>
-          <a:stretch>
-            <a:fillRect/>
-          </a:stretch>
-        </p:blipFill>
-        <p:spPr>
-          <a:xfrm>
-            <a:off x="4548572" y="3284984"/>
-            <a:ext cx="2590800" cy="723900"/>
-          </a:xfrm>
-          <a:prstGeom prst="rect">
-            <a:avLst/>
-          </a:prstGeom>
-        </p:spPr>
-      </p:pic>
-      <p:pic>
-        <p:nvPicPr>
-          <p:cNvPr id="6" name="Picture 5">
-            <a:extLst>
-              <a:ext uri="{FF2B5EF4-FFF2-40B4-BE49-F238E27FC236}">
-                <a16:creationId xmlns:a16="http://schemas.microsoft.com/office/drawing/2014/main" id="{20D0CC69-E831-4AC7-90B5-6EFC5572C06F}"/>
-              </a:ext>
-            </a:extLst>
-          </p:cNvPr>
-          <p:cNvPicPr>
-            <a:picLocks noChangeAspect="1"/>
-          </p:cNvPicPr>
-          <p:nvPr/>
-        </p:nvPicPr>
-        <p:blipFill>
-          <a:blip r:embed="rId4"/>
-          <a:stretch>
-            <a:fillRect/>
-          </a:stretch>
-        </p:blipFill>
-        <p:spPr>
-          <a:xfrm>
-            <a:off x="4024697" y="4735485"/>
-            <a:ext cx="3638550" cy="590550"/>
-          </a:xfrm>
-          <a:prstGeom prst="rect">
-            <a:avLst/>
-          </a:prstGeom>
-        </p:spPr>
-      </p:pic>
-      <p:pic>
-        <p:nvPicPr>
-          <p:cNvPr id="7" name="Picture 6">
-            <a:extLst>
-              <a:ext uri="{FF2B5EF4-FFF2-40B4-BE49-F238E27FC236}">
-                <a16:creationId xmlns:a16="http://schemas.microsoft.com/office/drawing/2014/main" id="{57F1D75B-EC12-47A3-A650-FEF6B58747AC}"/>
-              </a:ext>
-            </a:extLst>
-          </p:cNvPr>
-          <p:cNvPicPr>
-            <a:picLocks noChangeAspect="1"/>
-          </p:cNvPicPr>
-          <p:nvPr/>
-        </p:nvPicPr>
-        <p:blipFill>
-          <a:blip r:embed="rId5"/>
-          <a:stretch>
-            <a:fillRect/>
-          </a:stretch>
-        </p:blipFill>
-        <p:spPr>
-          <a:xfrm>
-            <a:off x="4295800" y="5857875"/>
-            <a:ext cx="3276600" cy="542925"/>
-          </a:xfrm>
-          <a:prstGeom prst="rect">
-            <a:avLst/>
-          </a:prstGeom>
-        </p:spPr>
-      </p:pic>
-    </p:spTree>
-    <p:extLst>
-      <p:ext uri="{BB962C8B-B14F-4D97-AF65-F5344CB8AC3E}">
-        <p14:creationId xmlns:p14="http://schemas.microsoft.com/office/powerpoint/2010/main" val="51208511"/>
       </p:ext>
     </p:extLst>
   </p:cSld>

--- a/Tutorial 5 Iterative Methods/Tutorial 5 Presentation.pptx
+++ b/Tutorial 5 Iterative Methods/Tutorial 5 Presentation.pptx
@@ -5,10 +5,10 @@
     <p:sldMasterId id="2147483648" r:id="rId4"/>
   </p:sldMasterIdLst>
   <p:notesMasterIdLst>
-    <p:notesMasterId r:id="rId28"/>
+    <p:notesMasterId r:id="rId29"/>
   </p:notesMasterIdLst>
   <p:handoutMasterIdLst>
-    <p:handoutMasterId r:id="rId29"/>
+    <p:handoutMasterId r:id="rId30"/>
   </p:handoutMasterIdLst>
   <p:sldIdLst>
     <p:sldId id="256" r:id="rId5"/>
@@ -34,6 +34,7 @@
     <p:sldId id="283" r:id="rId25"/>
     <p:sldId id="284" r:id="rId26"/>
     <p:sldId id="279" r:id="rId27"/>
+    <p:sldId id="285" r:id="rId28"/>
   </p:sldIdLst>
   <p:sldSz cx="12192000" cy="6858000"/>
   <p:notesSz cx="6858000" cy="9144000"/>
@@ -6671,23 +6672,7 @@
             </a:pPr>
             <a:r>
               <a:rPr lang="en-AU" dirty="0"/>
-              <a:t>Go through lecture notes and try to understand how </a:t>
-            </a:r>
-            <a:r>
-              <a:rPr lang="en-AU"/>
-              <a:t>the </a:t>
-            </a:r>
-            <a:r>
-              <a:rPr lang="en-AU" dirty="0"/>
-              <a:t>P</a:t>
-            </a:r>
-            <a:r>
-              <a:rPr lang="en-AU"/>
-              <a:t>oisson </a:t>
-            </a:r>
-            <a:r>
-              <a:rPr lang="en-AU" dirty="0"/>
-              <a:t>matrix is derived (and ask me for help!)</a:t>
+              <a:t>Go through lecture notes and try to understand how the Poisson matrix is derived (and ask me for help!)</a:t>
             </a:r>
           </a:p>
           <a:p>
@@ -6887,6 +6872,101 @@
     <p:extLst>
       <p:ext uri="{BB962C8B-B14F-4D97-AF65-F5344CB8AC3E}">
         <p14:creationId xmlns:p14="http://schemas.microsoft.com/office/powerpoint/2010/main" val="4093739542"/>
+      </p:ext>
+    </p:extLst>
+  </p:cSld>
+  <p:clrMapOvr>
+    <a:masterClrMapping/>
+  </p:clrMapOvr>
+</p:sld>
+</file>
+
+<file path=ppt/slides/slide24.xml><?xml version="1.0" encoding="utf-8"?>
+<p:sld xmlns:a="http://schemas.openxmlformats.org/drawingml/2006/main" xmlns:r="http://schemas.openxmlformats.org/officeDocument/2006/relationships" xmlns:p="http://schemas.openxmlformats.org/presentationml/2006/main">
+  <p:cSld>
+    <p:spTree>
+      <p:nvGrpSpPr>
+        <p:cNvPr id="1" name=""/>
+        <p:cNvGrpSpPr/>
+        <p:nvPr/>
+      </p:nvGrpSpPr>
+      <p:grpSpPr>
+        <a:xfrm>
+          <a:off x="0" y="0"/>
+          <a:ext cx="0" cy="0"/>
+          <a:chOff x="0" y="0"/>
+          <a:chExt cx="0" cy="0"/>
+        </a:xfrm>
+      </p:grpSpPr>
+      <p:sp>
+        <p:nvSpPr>
+          <p:cNvPr id="2" name="Title 1">
+            <a:extLst>
+              <a:ext uri="{FF2B5EF4-FFF2-40B4-BE49-F238E27FC236}">
+                <a16:creationId xmlns:a16="http://schemas.microsoft.com/office/drawing/2014/main" id="{25C71CB6-CE1E-482C-AE44-2882B05197F5}"/>
+              </a:ext>
+            </a:extLst>
+          </p:cNvPr>
+          <p:cNvSpPr>
+            <a:spLocks noGrp="1"/>
+          </p:cNvSpPr>
+          <p:nvPr>
+            <p:ph type="title"/>
+          </p:nvPr>
+        </p:nvSpPr>
+        <p:spPr/>
+        <p:txBody>
+          <a:bodyPr/>
+          <a:lstStyle/>
+          <a:p>
+            <a:r>
+              <a:rPr lang="en-AU" dirty="0"/>
+              <a:t>Further steps</a:t>
+            </a:r>
+          </a:p>
+        </p:txBody>
+      </p:sp>
+      <p:sp>
+        <p:nvSpPr>
+          <p:cNvPr id="3" name="Content Placeholder 2">
+            <a:extLst>
+              <a:ext uri="{FF2B5EF4-FFF2-40B4-BE49-F238E27FC236}">
+                <a16:creationId xmlns:a16="http://schemas.microsoft.com/office/drawing/2014/main" id="{E0ECD7E8-EB9B-494C-B464-F41DF56DE638}"/>
+              </a:ext>
+            </a:extLst>
+          </p:cNvPr>
+          <p:cNvSpPr>
+            <a:spLocks noGrp="1"/>
+          </p:cNvSpPr>
+          <p:nvPr>
+            <p:ph idx="1"/>
+          </p:nvPr>
+        </p:nvSpPr>
+        <p:spPr/>
+        <p:txBody>
+          <a:bodyPr/>
+          <a:lstStyle/>
+          <a:p>
+            <a:r>
+              <a:rPr lang="en-AU" dirty="0"/>
+              <a:t>Step size (a) isn’t something we have talked about yet!</a:t>
+            </a:r>
+          </a:p>
+          <a:p>
+            <a:r>
+              <a:rPr lang="en-AU" dirty="0"/>
+              <a:t>Other questions / comments? Please let me know! There is a lot of ground that can be covered and I’m unsure as to what you would like.</a:t>
+            </a:r>
+          </a:p>
+          <a:p>
+            <a:endParaRPr lang="en-AU" dirty="0"/>
+          </a:p>
+        </p:txBody>
+      </p:sp>
+    </p:spTree>
+    <p:extLst>
+      <p:ext uri="{BB962C8B-B14F-4D97-AF65-F5344CB8AC3E}">
+        <p14:creationId xmlns:p14="http://schemas.microsoft.com/office/powerpoint/2010/main" val="4208693591"/>
       </p:ext>
     </p:extLst>
   </p:cSld>
